--- a/PPTs/Dua Tawassul.pptx
+++ b/PPTs/Dua Tawassul.pptx
@@ -8453,10 +8453,10 @@
                 <a:ea typeface="Calibri Light" panose="020F0302020204030204" pitchFamily="34" charset="0"/>
                 <a:cs typeface="Calibri Light" panose="020F0302020204030204" pitchFamily="34" charset="0"/>
               </a:rPr>
-              <a:t>And We desired to show </a:t>
-            </a:r>
-            <a:r>
-              <a:rPr kumimoji="0" lang="en-US" sz="1400" b="0" i="1" u="none" strike="noStrike" kern="1200" cap="none" spc="0" normalizeH="0" baseline="0" noProof="0" dirty="0" err="1">
+              <a:t>And We desired to </a:t>
+            </a:r>
+            <a:r>
+              <a:rPr kumimoji="0" lang="en-US" sz="1400" b="0" i="1" u="none" strike="noStrike" kern="1200" cap="none" spc="0" normalizeH="0" baseline="0" noProof="0">
                 <a:ln>
                   <a:noFill/>
                 </a:ln>
@@ -8470,7 +8470,7 @@
                 <a:ea typeface="Calibri Light" panose="020F0302020204030204" pitchFamily="34" charset="0"/>
                 <a:cs typeface="Calibri Light" panose="020F0302020204030204" pitchFamily="34" charset="0"/>
               </a:rPr>
-              <a:t>favour</a:t>
+              <a:t>show favor </a:t>
             </a:r>
             <a:r>
               <a:rPr kumimoji="0" lang="en-US" sz="1400" b="0" i="1" u="none" strike="noStrike" kern="1200" cap="none" spc="0" normalizeH="0" baseline="0" noProof="0" dirty="0">
@@ -8487,7 +8487,7 @@
                 <a:ea typeface="Calibri Light" panose="020F0302020204030204" pitchFamily="34" charset="0"/>
                 <a:cs typeface="Calibri Light" panose="020F0302020204030204" pitchFamily="34" charset="0"/>
               </a:rPr>
-              <a:t> upon those who were abased in the land, </a:t>
+              <a:t>upon those who were abased in the land, </a:t>
             </a:r>
           </a:p>
           <a:p>
@@ -8593,7 +8593,7 @@
                 <a:ea typeface="Calibri Light" panose="020F0302020204030204" pitchFamily="34" charset="0"/>
                 <a:cs typeface="Calibri Light" panose="020F0302020204030204" pitchFamily="34" charset="0"/>
               </a:rPr>
-              <a:t> : 5)</a:t>
+              <a:t>: 5)</a:t>
             </a:r>
             <a:endParaRPr kumimoji="0" lang="en-CA" sz="1200" b="0" i="1" u="none" strike="noStrike" kern="1200" cap="none" spc="0" normalizeH="0" baseline="0" noProof="0" dirty="0">
               <a:ln>

--- a/PPTs/Dua Tawassul.pptx
+++ b/PPTs/Dua Tawassul.pptx
@@ -7,7 +7,7 @@
   </p:sldMasterIdLst>
   <p:sldIdLst>
     <p:sldId id="5512" r:id="rId3"/>
-    <p:sldId id="1715" r:id="rId4"/>
+    <p:sldId id="5595" r:id="rId4"/>
     <p:sldId id="1090" r:id="rId5"/>
     <p:sldId id="3394" r:id="rId6"/>
     <p:sldId id="3395" r:id="rId7"/>
@@ -130,7 +130,7 @@
     <p:sldId id="3486" r:id="rId124"/>
     <p:sldId id="3487" r:id="rId125"/>
     <p:sldId id="3488" r:id="rId126"/>
-    <p:sldId id="262" r:id="rId127"/>
+    <p:sldId id="5596" r:id="rId127"/>
     <p:sldId id="5440" r:id="rId128"/>
   </p:sldIdLst>
   <p:sldSz cx="12192000" cy="6858000"/>
@@ -466,9 +466,18 @@
   <p:clrMapOvr>
     <a:masterClrMapping/>
   </p:clrMapOvr>
-  <p:transition>
-    <p:fade/>
-  </p:transition>
+  <mc:AlternateContent xmlns:mc="http://schemas.openxmlformats.org/markup-compatibility/2006">
+    <mc:Choice xmlns:p14="http://schemas.microsoft.com/office/powerpoint/2010/main" Requires="p14">
+      <p:transition p14:dur="300">
+        <p:fade/>
+      </p:transition>
+    </mc:Choice>
+    <mc:Fallback>
+      <p:transition>
+        <p:fade/>
+      </p:transition>
+    </mc:Fallback>
+  </mc:AlternateContent>
   <p:extLst>
     <p:ext uri="{DCECCB84-F9BA-43D5-87BE-67443E8EF086}">
       <p15:sldGuideLst xmlns:p15="http://schemas.microsoft.com/office/powerpoint/2012/main">
@@ -714,9 +723,18 @@
   <p:clrMapOvr>
     <a:masterClrMapping/>
   </p:clrMapOvr>
-  <p:transition>
-    <p:fade/>
-  </p:transition>
+  <mc:AlternateContent xmlns:mc="http://schemas.openxmlformats.org/markup-compatibility/2006">
+    <mc:Choice xmlns:p14="http://schemas.microsoft.com/office/powerpoint/2010/main" Requires="p14">
+      <p:transition p14:dur="300">
+        <p:fade/>
+      </p:transition>
+    </mc:Choice>
+    <mc:Fallback>
+      <p:transition>
+        <p:fade/>
+      </p:transition>
+    </mc:Fallback>
+  </mc:AlternateContent>
 </p:sldLayout>
 </file>
 
@@ -956,9 +974,18 @@
   <p:clrMapOvr>
     <a:masterClrMapping/>
   </p:clrMapOvr>
-  <p:transition>
-    <p:fade/>
-  </p:transition>
+  <mc:AlternateContent xmlns:mc="http://schemas.openxmlformats.org/markup-compatibility/2006">
+    <mc:Choice xmlns:p14="http://schemas.microsoft.com/office/powerpoint/2010/main" Requires="p14">
+      <p:transition p14:dur="300">
+        <p:fade/>
+      </p:transition>
+    </mc:Choice>
+    <mc:Fallback>
+      <p:transition>
+        <p:fade/>
+      </p:transition>
+    </mc:Fallback>
+  </mc:AlternateContent>
 </p:sldLayout>
 </file>
 
@@ -1082,9 +1109,18 @@
   <p:clrMapOvr>
     <a:masterClrMapping/>
   </p:clrMapOvr>
-  <p:transition>
-    <p:fade/>
-  </p:transition>
+  <mc:AlternateContent xmlns:mc="http://schemas.openxmlformats.org/markup-compatibility/2006">
+    <mc:Choice xmlns:p14="http://schemas.microsoft.com/office/powerpoint/2010/main" Requires="p14">
+      <p:transition p14:dur="300">
+        <p:fade/>
+      </p:transition>
+    </mc:Choice>
+    <mc:Fallback>
+      <p:transition>
+        <p:fade/>
+      </p:transition>
+    </mc:Fallback>
+  </mc:AlternateContent>
 </p:sldLayout>
 </file>
 
@@ -1314,9 +1350,18 @@
   <p:clrMapOvr>
     <a:masterClrMapping/>
   </p:clrMapOvr>
-  <p:transition>
-    <p:fade/>
-  </p:transition>
+  <mc:AlternateContent xmlns:mc="http://schemas.openxmlformats.org/markup-compatibility/2006">
+    <mc:Choice xmlns:p14="http://schemas.microsoft.com/office/powerpoint/2010/main" Requires="p14">
+      <p:transition p14:dur="300">
+        <p:fade/>
+      </p:transition>
+    </mc:Choice>
+    <mc:Fallback>
+      <p:transition>
+        <p:fade/>
+      </p:transition>
+    </mc:Fallback>
+  </mc:AlternateContent>
   <p:extLst>
     <p:ext uri="{DCECCB84-F9BA-43D5-87BE-67443E8EF086}">
       <p15:sldGuideLst xmlns:p15="http://schemas.microsoft.com/office/powerpoint/2012/main">
@@ -1560,9 +1605,18 @@
   <p:clrMapOvr>
     <a:masterClrMapping/>
   </p:clrMapOvr>
-  <p:transition>
-    <p:fade/>
-  </p:transition>
+  <mc:AlternateContent xmlns:mc="http://schemas.openxmlformats.org/markup-compatibility/2006">
+    <mc:Choice xmlns:p14="http://schemas.microsoft.com/office/powerpoint/2010/main" Requires="p14">
+      <p:transition p14:dur="300">
+        <p:fade/>
+      </p:transition>
+    </mc:Choice>
+    <mc:Fallback>
+      <p:transition>
+        <p:fade/>
+      </p:transition>
+    </mc:Fallback>
+  </mc:AlternateContent>
   <p:extLst>
     <p:ext uri="{DCECCB84-F9BA-43D5-87BE-67443E8EF086}">
       <p15:sldGuideLst xmlns:p15="http://schemas.microsoft.com/office/powerpoint/2012/main">
@@ -1809,9 +1863,18 @@
   <p:clrMapOvr>
     <a:masterClrMapping/>
   </p:clrMapOvr>
-  <p:transition>
-    <p:fade/>
-  </p:transition>
+  <mc:AlternateContent xmlns:mc="http://schemas.openxmlformats.org/markup-compatibility/2006">
+    <mc:Choice xmlns:p14="http://schemas.microsoft.com/office/powerpoint/2010/main" Requires="p14">
+      <p:transition p14:dur="300">
+        <p:fade/>
+      </p:transition>
+    </mc:Choice>
+    <mc:Fallback>
+      <p:transition>
+        <p:fade/>
+      </p:transition>
+    </mc:Fallback>
+  </mc:AlternateContent>
 </p:sldLayout>
 </file>
 
@@ -2140,9 +2203,18 @@
   <p:clrMapOvr>
     <a:masterClrMapping/>
   </p:clrMapOvr>
-  <p:transition>
-    <p:fade/>
-  </p:transition>
+  <mc:AlternateContent xmlns:mc="http://schemas.openxmlformats.org/markup-compatibility/2006">
+    <mc:Choice xmlns:p14="http://schemas.microsoft.com/office/powerpoint/2010/main" Requires="p14">
+      <p:transition p14:dur="300">
+        <p:fade/>
+      </p:transition>
+    </mc:Choice>
+    <mc:Fallback>
+      <p:transition>
+        <p:fade/>
+      </p:transition>
+    </mc:Fallback>
+  </mc:AlternateContent>
 </p:sldLayout>
 </file>
 
@@ -2601,9 +2673,18 @@
   <p:clrMapOvr>
     <a:masterClrMapping/>
   </p:clrMapOvr>
-  <p:transition>
-    <p:fade/>
-  </p:transition>
+  <mc:AlternateContent xmlns:mc="http://schemas.openxmlformats.org/markup-compatibility/2006">
+    <mc:Choice xmlns:p14="http://schemas.microsoft.com/office/powerpoint/2010/main" Requires="p14">
+      <p:transition p14:dur="300">
+        <p:fade/>
+      </p:transition>
+    </mc:Choice>
+    <mc:Fallback>
+      <p:transition>
+        <p:fade/>
+      </p:transition>
+    </mc:Fallback>
+  </mc:AlternateContent>
 </p:sldLayout>
 </file>
 
@@ -2764,9 +2845,18 @@
   <p:clrMapOvr>
     <a:masterClrMapping/>
   </p:clrMapOvr>
-  <p:transition>
-    <p:fade/>
-  </p:transition>
+  <mc:AlternateContent xmlns:mc="http://schemas.openxmlformats.org/markup-compatibility/2006">
+    <mc:Choice xmlns:p14="http://schemas.microsoft.com/office/powerpoint/2010/main" Requires="p14">
+      <p:transition p14:dur="300">
+        <p:fade/>
+      </p:transition>
+    </mc:Choice>
+    <mc:Fallback>
+      <p:transition>
+        <p:fade/>
+      </p:transition>
+    </mc:Fallback>
+  </mc:AlternateContent>
 </p:sldLayout>
 </file>
 
@@ -2901,9 +2991,18 @@
   <p:clrMapOvr>
     <a:masterClrMapping/>
   </p:clrMapOvr>
-  <p:transition>
-    <p:fade/>
-  </p:transition>
+  <mc:AlternateContent xmlns:mc="http://schemas.openxmlformats.org/markup-compatibility/2006">
+    <mc:Choice xmlns:p14="http://schemas.microsoft.com/office/powerpoint/2010/main" Requires="p14">
+      <p:transition p14:dur="300">
+        <p:fade/>
+      </p:transition>
+    </mc:Choice>
+    <mc:Fallback>
+      <p:transition>
+        <p:fade/>
+      </p:transition>
+    </mc:Fallback>
+  </mc:AlternateContent>
 </p:sldLayout>
 </file>
 
@@ -3133,9 +3232,18 @@
   <p:clrMapOvr>
     <a:masterClrMapping/>
   </p:clrMapOvr>
-  <p:transition>
-    <p:fade/>
-  </p:transition>
+  <mc:AlternateContent xmlns:mc="http://schemas.openxmlformats.org/markup-compatibility/2006">
+    <mc:Choice xmlns:p14="http://schemas.microsoft.com/office/powerpoint/2010/main" Requires="p14">
+      <p:transition p14:dur="300">
+        <p:fade/>
+      </p:transition>
+    </mc:Choice>
+    <mc:Fallback>
+      <p:transition>
+        <p:fade/>
+      </p:transition>
+    </mc:Fallback>
+  </mc:AlternateContent>
   <p:extLst>
     <p:ext uri="{DCECCB84-F9BA-43D5-87BE-67443E8EF086}">
       <p15:sldGuideLst xmlns:p15="http://schemas.microsoft.com/office/powerpoint/2012/main">
@@ -3466,9 +3574,18 @@
   <p:clrMapOvr>
     <a:masterClrMapping/>
   </p:clrMapOvr>
-  <p:transition>
-    <p:fade/>
-  </p:transition>
+  <mc:AlternateContent xmlns:mc="http://schemas.openxmlformats.org/markup-compatibility/2006">
+    <mc:Choice xmlns:p14="http://schemas.microsoft.com/office/powerpoint/2010/main" Requires="p14">
+      <p:transition p14:dur="300">
+        <p:fade/>
+      </p:transition>
+    </mc:Choice>
+    <mc:Fallback>
+      <p:transition>
+        <p:fade/>
+      </p:transition>
+    </mc:Fallback>
+  </mc:AlternateContent>
 </p:sldLayout>
 </file>
 
@@ -3761,9 +3878,18 @@
   <p:clrMapOvr>
     <a:masterClrMapping/>
   </p:clrMapOvr>
-  <p:transition>
-    <p:fade/>
-  </p:transition>
+  <mc:AlternateContent xmlns:mc="http://schemas.openxmlformats.org/markup-compatibility/2006">
+    <mc:Choice xmlns:p14="http://schemas.microsoft.com/office/powerpoint/2010/main" Requires="p14">
+      <p:transition p14:dur="300">
+        <p:fade/>
+      </p:transition>
+    </mc:Choice>
+    <mc:Fallback>
+      <p:transition>
+        <p:fade/>
+      </p:transition>
+    </mc:Fallback>
+  </mc:AlternateContent>
 </p:sldLayout>
 </file>
 
@@ -3991,9 +4117,18 @@
   <p:clrMapOvr>
     <a:masterClrMapping/>
   </p:clrMapOvr>
-  <p:transition>
-    <p:fade/>
-  </p:transition>
+  <mc:AlternateContent xmlns:mc="http://schemas.openxmlformats.org/markup-compatibility/2006">
+    <mc:Choice xmlns:p14="http://schemas.microsoft.com/office/powerpoint/2010/main" Requires="p14">
+      <p:transition p14:dur="300">
+        <p:fade/>
+      </p:transition>
+    </mc:Choice>
+    <mc:Fallback>
+      <p:transition>
+        <p:fade/>
+      </p:transition>
+    </mc:Fallback>
+  </mc:AlternateContent>
 </p:sldLayout>
 </file>
 
@@ -4231,9 +4366,18 @@
   <p:clrMapOvr>
     <a:masterClrMapping/>
   </p:clrMapOvr>
-  <p:transition>
-    <p:fade/>
-  </p:transition>
+  <mc:AlternateContent xmlns:mc="http://schemas.openxmlformats.org/markup-compatibility/2006">
+    <mc:Choice xmlns:p14="http://schemas.microsoft.com/office/powerpoint/2010/main" Requires="p14">
+      <p:transition p14:dur="300">
+        <p:fade/>
+      </p:transition>
+    </mc:Choice>
+    <mc:Fallback>
+      <p:transition>
+        <p:fade/>
+      </p:transition>
+    </mc:Fallback>
+  </mc:AlternateContent>
 </p:sldLayout>
 </file>
 
@@ -4357,9 +4501,18 @@
   <p:clrMapOvr>
     <a:masterClrMapping/>
   </p:clrMapOvr>
-  <p:transition>
-    <p:fade/>
-  </p:transition>
+  <mc:AlternateContent xmlns:mc="http://schemas.openxmlformats.org/markup-compatibility/2006">
+    <mc:Choice xmlns:p14="http://schemas.microsoft.com/office/powerpoint/2010/main" Requires="p14">
+      <p:transition p14:dur="300">
+        <p:fade/>
+      </p:transition>
+    </mc:Choice>
+    <mc:Fallback>
+      <p:transition>
+        <p:fade/>
+      </p:transition>
+    </mc:Fallback>
+  </mc:AlternateContent>
 </p:sldLayout>
 </file>
 
@@ -4591,9 +4744,18 @@
   <p:clrMapOvr>
     <a:masterClrMapping/>
   </p:clrMapOvr>
-  <p:transition>
-    <p:fade/>
-  </p:transition>
+  <mc:AlternateContent xmlns:mc="http://schemas.openxmlformats.org/markup-compatibility/2006">
+    <mc:Choice xmlns:p14="http://schemas.microsoft.com/office/powerpoint/2010/main" Requires="p14">
+      <p:transition p14:dur="300">
+        <p:fade/>
+      </p:transition>
+    </mc:Choice>
+    <mc:Fallback>
+      <p:transition>
+        <p:fade/>
+      </p:transition>
+    </mc:Fallback>
+  </mc:AlternateContent>
 </p:sldLayout>
 </file>
 
@@ -4925,9 +5087,18 @@
   <p:clrMapOvr>
     <a:masterClrMapping/>
   </p:clrMapOvr>
-  <p:transition>
-    <p:fade/>
-  </p:transition>
+  <mc:AlternateContent xmlns:mc="http://schemas.openxmlformats.org/markup-compatibility/2006">
+    <mc:Choice xmlns:p14="http://schemas.microsoft.com/office/powerpoint/2010/main" Requires="p14">
+      <p:transition p14:dur="300">
+        <p:fade/>
+      </p:transition>
+    </mc:Choice>
+    <mc:Fallback>
+      <p:transition>
+        <p:fade/>
+      </p:transition>
+    </mc:Fallback>
+  </mc:AlternateContent>
 </p:sldLayout>
 </file>
 
@@ -5389,9 +5560,18 @@
   <p:clrMapOvr>
     <a:masterClrMapping/>
   </p:clrMapOvr>
-  <p:transition>
-    <p:fade/>
-  </p:transition>
+  <mc:AlternateContent xmlns:mc="http://schemas.openxmlformats.org/markup-compatibility/2006">
+    <mc:Choice xmlns:p14="http://schemas.microsoft.com/office/powerpoint/2010/main" Requires="p14">
+      <p:transition p14:dur="300">
+        <p:fade/>
+      </p:transition>
+    </mc:Choice>
+    <mc:Fallback>
+      <p:transition>
+        <p:fade/>
+      </p:transition>
+    </mc:Fallback>
+  </mc:AlternateContent>
 </p:sldLayout>
 </file>
 
@@ -5553,9 +5733,18 @@
   <p:clrMapOvr>
     <a:masterClrMapping/>
   </p:clrMapOvr>
-  <p:transition>
-    <p:fade/>
-  </p:transition>
+  <mc:AlternateContent xmlns:mc="http://schemas.openxmlformats.org/markup-compatibility/2006">
+    <mc:Choice xmlns:p14="http://schemas.microsoft.com/office/powerpoint/2010/main" Requires="p14">
+      <p:transition p14:dur="300">
+        <p:fade/>
+      </p:transition>
+    </mc:Choice>
+    <mc:Fallback>
+      <p:transition>
+        <p:fade/>
+      </p:transition>
+    </mc:Fallback>
+  </mc:AlternateContent>
 </p:sldLayout>
 </file>
 
@@ -5690,9 +5879,18 @@
   <p:clrMapOvr>
     <a:masterClrMapping/>
   </p:clrMapOvr>
-  <p:transition>
-    <p:fade/>
-  </p:transition>
+  <mc:AlternateContent xmlns:mc="http://schemas.openxmlformats.org/markup-compatibility/2006">
+    <mc:Choice xmlns:p14="http://schemas.microsoft.com/office/powerpoint/2010/main" Requires="p14">
+      <p:transition p14:dur="300">
+        <p:fade/>
+      </p:transition>
+    </mc:Choice>
+    <mc:Fallback>
+      <p:transition>
+        <p:fade/>
+      </p:transition>
+    </mc:Fallback>
+  </mc:AlternateContent>
 </p:sldLayout>
 </file>
 
@@ -6009,9 +6207,18 @@
   <p:clrMapOvr>
     <a:masterClrMapping/>
   </p:clrMapOvr>
-  <p:transition>
-    <p:fade/>
-  </p:transition>
+  <mc:AlternateContent xmlns:mc="http://schemas.openxmlformats.org/markup-compatibility/2006">
+    <mc:Choice xmlns:p14="http://schemas.microsoft.com/office/powerpoint/2010/main" Requires="p14">
+      <p:transition p14:dur="300">
+        <p:fade/>
+      </p:transition>
+    </mc:Choice>
+    <mc:Fallback>
+      <p:transition>
+        <p:fade/>
+      </p:transition>
+    </mc:Fallback>
+  </mc:AlternateContent>
 </p:sldLayout>
 </file>
 
@@ -6309,9 +6516,18 @@
   <p:clrMapOvr>
     <a:masterClrMapping/>
   </p:clrMapOvr>
-  <p:transition>
-    <p:fade/>
-  </p:transition>
+  <mc:AlternateContent xmlns:mc="http://schemas.openxmlformats.org/markup-compatibility/2006">
+    <mc:Choice xmlns:p14="http://schemas.microsoft.com/office/powerpoint/2010/main" Requires="p14">
+      <p:transition p14:dur="300">
+        <p:fade/>
+      </p:transition>
+    </mc:Choice>
+    <mc:Fallback>
+      <p:transition>
+        <p:fade/>
+      </p:transition>
+    </mc:Fallback>
+  </mc:AlternateContent>
 </p:sldLayout>
 </file>
 
@@ -6791,9 +7007,18 @@
     <p:sldLayoutId id="2147483671" r:id="rId11"/>
     <p:sldLayoutId id="2147483672" r:id="rId12"/>
   </p:sldLayoutIdLst>
-  <p:transition>
-    <p:fade/>
-  </p:transition>
+  <mc:AlternateContent xmlns:mc="http://schemas.openxmlformats.org/markup-compatibility/2006">
+    <mc:Choice xmlns:p14="http://schemas.microsoft.com/office/powerpoint/2010/main" Requires="p14">
+      <p:transition p14:dur="300">
+        <p:fade/>
+      </p:transition>
+    </mc:Choice>
+    <mc:Fallback>
+      <p:transition>
+        <p:fade/>
+      </p:transition>
+    </mc:Fallback>
+  </mc:AlternateContent>
   <p:txStyles>
     <p:titleStyle>
       <a:lvl1pPr algn="ctr" rtl="0" eaLnBrk="1" fontAlgn="base" hangingPunct="1">
@@ -7669,9 +7894,18 @@
     <p:sldLayoutId id="2147483684" r:id="rId11"/>
     <p:sldLayoutId id="2147483685" r:id="rId12"/>
   </p:sldLayoutIdLst>
-  <p:transition>
-    <p:fade/>
-  </p:transition>
+  <mc:AlternateContent xmlns:mc="http://schemas.openxmlformats.org/markup-compatibility/2006">
+    <mc:Choice xmlns:p14="http://schemas.microsoft.com/office/powerpoint/2010/main" Requires="p14">
+      <p:transition p14:dur="300">
+        <p:fade/>
+      </p:transition>
+    </mc:Choice>
+    <mc:Fallback>
+      <p:transition>
+        <p:fade/>
+      </p:transition>
+    </mc:Fallback>
+  </mc:AlternateContent>
   <p:hf hdr="0" ftr="0" dt="0"/>
   <p:txStyles>
     <p:titleStyle>
@@ -8873,12 +9107,16 @@
   <p:clrMapOvr>
     <a:masterClrMapping/>
   </p:clrMapOvr>
-  <mc:AlternateContent xmlns:mc="http://schemas.openxmlformats.org/markup-compatibility/2006" xmlns:p14="http://schemas.microsoft.com/office/powerpoint/2010/main">
-    <mc:Choice Requires="p14">
-      <p:transition p14:dur="0"/>
+  <mc:AlternateContent xmlns:mc="http://schemas.openxmlformats.org/markup-compatibility/2006">
+    <mc:Choice xmlns:p14="http://schemas.microsoft.com/office/powerpoint/2010/main" Requires="p14">
+      <p:transition p14:dur="300">
+        <p:fade/>
+      </p:transition>
     </mc:Choice>
-    <mc:Fallback xmlns="">
-      <p:transition/>
+    <mc:Fallback>
+      <p:transition>
+        <p:fade/>
+      </p:transition>
     </mc:Fallback>
   </mc:AlternateContent>
 </p:sld>
@@ -8990,12 +9228,16 @@
   <p:clrMapOvr>
     <a:masterClrMapping/>
   </p:clrMapOvr>
-  <mc:AlternateContent xmlns:mc="http://schemas.openxmlformats.org/markup-compatibility/2006" xmlns:p14="http://schemas.microsoft.com/office/powerpoint/2010/main">
-    <mc:Choice Requires="p14">
-      <p:transition p14:dur="0"/>
+  <mc:AlternateContent xmlns:mc="http://schemas.openxmlformats.org/markup-compatibility/2006">
+    <mc:Choice xmlns:p14="http://schemas.microsoft.com/office/powerpoint/2010/main" Requires="p14">
+      <p:transition p14:dur="300">
+        <p:fade/>
+      </p:transition>
     </mc:Choice>
-    <mc:Fallback xmlns="">
-      <p:transition/>
+    <mc:Fallback>
+      <p:transition>
+        <p:fade/>
+      </p:transition>
     </mc:Fallback>
   </mc:AlternateContent>
 </p:sld>
@@ -9128,12 +9370,16 @@
   <p:clrMapOvr>
     <a:masterClrMapping/>
   </p:clrMapOvr>
-  <mc:AlternateContent xmlns:mc="http://schemas.openxmlformats.org/markup-compatibility/2006" xmlns:p14="http://schemas.microsoft.com/office/powerpoint/2010/main">
-    <mc:Choice Requires="p14">
-      <p:transition p14:dur="0"/>
+  <mc:AlternateContent xmlns:mc="http://schemas.openxmlformats.org/markup-compatibility/2006">
+    <mc:Choice xmlns:p14="http://schemas.microsoft.com/office/powerpoint/2010/main" Requires="p14">
+      <p:transition p14:dur="300">
+        <p:fade/>
+      </p:transition>
     </mc:Choice>
-    <mc:Fallback xmlns="">
-      <p:transition/>
+    <mc:Fallback>
+      <p:transition>
+        <p:fade/>
+      </p:transition>
     </mc:Fallback>
   </mc:AlternateContent>
 </p:sld>
@@ -9252,12 +9498,16 @@
   <p:clrMapOvr>
     <a:masterClrMapping/>
   </p:clrMapOvr>
-  <mc:AlternateContent xmlns:mc="http://schemas.openxmlformats.org/markup-compatibility/2006" xmlns:p14="http://schemas.microsoft.com/office/powerpoint/2010/main">
-    <mc:Choice Requires="p14">
-      <p:transition p14:dur="0"/>
+  <mc:AlternateContent xmlns:mc="http://schemas.openxmlformats.org/markup-compatibility/2006">
+    <mc:Choice xmlns:p14="http://schemas.microsoft.com/office/powerpoint/2010/main" Requires="p14">
+      <p:transition p14:dur="300">
+        <p:fade/>
+      </p:transition>
     </mc:Choice>
-    <mc:Fallback xmlns="">
-      <p:transition/>
+    <mc:Fallback>
+      <p:transition>
+        <p:fade/>
+      </p:transition>
     </mc:Fallback>
   </mc:AlternateContent>
 </p:sld>
@@ -9368,12 +9618,16 @@
   <p:clrMapOvr>
     <a:masterClrMapping/>
   </p:clrMapOvr>
-  <mc:AlternateContent xmlns:mc="http://schemas.openxmlformats.org/markup-compatibility/2006" xmlns:p14="http://schemas.microsoft.com/office/powerpoint/2010/main">
-    <mc:Choice Requires="p14">
-      <p:transition p14:dur="0"/>
+  <mc:AlternateContent xmlns:mc="http://schemas.openxmlformats.org/markup-compatibility/2006">
+    <mc:Choice xmlns:p14="http://schemas.microsoft.com/office/powerpoint/2010/main" Requires="p14">
+      <p:transition p14:dur="300">
+        <p:fade/>
+      </p:transition>
     </mc:Choice>
-    <mc:Fallback xmlns="">
-      <p:transition/>
+    <mc:Fallback>
+      <p:transition>
+        <p:fade/>
+      </p:transition>
     </mc:Fallback>
   </mc:AlternateContent>
 </p:sld>
@@ -9485,12 +9739,16 @@
   <p:clrMapOvr>
     <a:masterClrMapping/>
   </p:clrMapOvr>
-  <mc:AlternateContent xmlns:mc="http://schemas.openxmlformats.org/markup-compatibility/2006" xmlns:p14="http://schemas.microsoft.com/office/powerpoint/2010/main">
-    <mc:Choice Requires="p14">
-      <p:transition p14:dur="0"/>
+  <mc:AlternateContent xmlns:mc="http://schemas.openxmlformats.org/markup-compatibility/2006">
+    <mc:Choice xmlns:p14="http://schemas.microsoft.com/office/powerpoint/2010/main" Requires="p14">
+      <p:transition p14:dur="300">
+        <p:fade/>
+      </p:transition>
     </mc:Choice>
-    <mc:Fallback xmlns="">
-      <p:transition/>
+    <mc:Fallback>
+      <p:transition>
+        <p:fade/>
+      </p:transition>
     </mc:Fallback>
   </mc:AlternateContent>
 </p:sld>
@@ -9602,12 +9860,16 @@
   <p:clrMapOvr>
     <a:masterClrMapping/>
   </p:clrMapOvr>
-  <mc:AlternateContent xmlns:mc="http://schemas.openxmlformats.org/markup-compatibility/2006" xmlns:p14="http://schemas.microsoft.com/office/powerpoint/2010/main">
-    <mc:Choice Requires="p14">
-      <p:transition p14:dur="0"/>
+  <mc:AlternateContent xmlns:mc="http://schemas.openxmlformats.org/markup-compatibility/2006">
+    <mc:Choice xmlns:p14="http://schemas.microsoft.com/office/powerpoint/2010/main" Requires="p14">
+      <p:transition p14:dur="300">
+        <p:fade/>
+      </p:transition>
     </mc:Choice>
-    <mc:Fallback xmlns="">
-      <p:transition/>
+    <mc:Fallback>
+      <p:transition>
+        <p:fade/>
+      </p:transition>
     </mc:Fallback>
   </mc:AlternateContent>
 </p:sld>
@@ -9719,12 +9981,16 @@
   <p:clrMapOvr>
     <a:masterClrMapping/>
   </p:clrMapOvr>
-  <mc:AlternateContent xmlns:mc="http://schemas.openxmlformats.org/markup-compatibility/2006" xmlns:p14="http://schemas.microsoft.com/office/powerpoint/2010/main">
-    <mc:Choice Requires="p14">
-      <p:transition p14:dur="0"/>
+  <mc:AlternateContent xmlns:mc="http://schemas.openxmlformats.org/markup-compatibility/2006">
+    <mc:Choice xmlns:p14="http://schemas.microsoft.com/office/powerpoint/2010/main" Requires="p14">
+      <p:transition p14:dur="300">
+        <p:fade/>
+      </p:transition>
     </mc:Choice>
-    <mc:Fallback xmlns="">
-      <p:transition/>
+    <mc:Fallback>
+      <p:transition>
+        <p:fade/>
+      </p:transition>
     </mc:Fallback>
   </mc:AlternateContent>
 </p:sld>
@@ -9854,12 +10120,16 @@
   <p:clrMapOvr>
     <a:masterClrMapping/>
   </p:clrMapOvr>
-  <mc:AlternateContent xmlns:mc="http://schemas.openxmlformats.org/markup-compatibility/2006" xmlns:p14="http://schemas.microsoft.com/office/powerpoint/2010/main">
-    <mc:Choice Requires="p14">
-      <p:transition p14:dur="0"/>
+  <mc:AlternateContent xmlns:mc="http://schemas.openxmlformats.org/markup-compatibility/2006">
+    <mc:Choice xmlns:p14="http://schemas.microsoft.com/office/powerpoint/2010/main" Requires="p14">
+      <p:transition p14:dur="300">
+        <p:fade/>
+      </p:transition>
     </mc:Choice>
-    <mc:Fallback xmlns="">
-      <p:transition/>
+    <mc:Fallback>
+      <p:transition>
+        <p:fade/>
+      </p:transition>
     </mc:Fallback>
   </mc:AlternateContent>
 </p:sld>
@@ -10001,12 +10271,16 @@
   <p:clrMapOvr>
     <a:masterClrMapping/>
   </p:clrMapOvr>
-  <mc:AlternateContent xmlns:mc="http://schemas.openxmlformats.org/markup-compatibility/2006" xmlns:p14="http://schemas.microsoft.com/office/powerpoint/2010/main">
-    <mc:Choice Requires="p14">
-      <p:transition p14:dur="0"/>
+  <mc:AlternateContent xmlns:mc="http://schemas.openxmlformats.org/markup-compatibility/2006">
+    <mc:Choice xmlns:p14="http://schemas.microsoft.com/office/powerpoint/2010/main" Requires="p14">
+      <p:transition p14:dur="300">
+        <p:fade/>
+      </p:transition>
     </mc:Choice>
-    <mc:Fallback xmlns="">
-      <p:transition/>
+    <mc:Fallback>
+      <p:transition>
+        <p:fade/>
+      </p:transition>
     </mc:Fallback>
   </mc:AlternateContent>
 </p:sld>
@@ -10139,12 +10413,16 @@
   <p:clrMapOvr>
     <a:masterClrMapping/>
   </p:clrMapOvr>
-  <mc:AlternateContent xmlns:mc="http://schemas.openxmlformats.org/markup-compatibility/2006" xmlns:p14="http://schemas.microsoft.com/office/powerpoint/2010/main">
-    <mc:Choice Requires="p14">
-      <p:transition p14:dur="0"/>
+  <mc:AlternateContent xmlns:mc="http://schemas.openxmlformats.org/markup-compatibility/2006">
+    <mc:Choice xmlns:p14="http://schemas.microsoft.com/office/powerpoint/2010/main" Requires="p14">
+      <p:transition p14:dur="300">
+        <p:fade/>
+      </p:transition>
     </mc:Choice>
-    <mc:Fallback xmlns="">
-      <p:transition/>
+    <mc:Fallback>
+      <p:transition>
+        <p:fade/>
+      </p:transition>
     </mc:Fallback>
   </mc:AlternateContent>
 </p:sld>
@@ -10263,12 +10541,16 @@
   <p:clrMapOvr>
     <a:masterClrMapping/>
   </p:clrMapOvr>
-  <mc:AlternateContent xmlns:mc="http://schemas.openxmlformats.org/markup-compatibility/2006" xmlns:p14="http://schemas.microsoft.com/office/powerpoint/2010/main">
-    <mc:Choice Requires="p14">
-      <p:transition p14:dur="0"/>
+  <mc:AlternateContent xmlns:mc="http://schemas.openxmlformats.org/markup-compatibility/2006">
+    <mc:Choice xmlns:p14="http://schemas.microsoft.com/office/powerpoint/2010/main" Requires="p14">
+      <p:transition p14:dur="300">
+        <p:fade/>
+      </p:transition>
     </mc:Choice>
-    <mc:Fallback xmlns="">
-      <p:transition/>
+    <mc:Fallback>
+      <p:transition>
+        <p:fade/>
+      </p:transition>
     </mc:Fallback>
   </mc:AlternateContent>
 </p:sld>
@@ -10380,12 +10662,16 @@
   <p:clrMapOvr>
     <a:masterClrMapping/>
   </p:clrMapOvr>
-  <mc:AlternateContent xmlns:mc="http://schemas.openxmlformats.org/markup-compatibility/2006" xmlns:p14="http://schemas.microsoft.com/office/powerpoint/2010/main">
-    <mc:Choice Requires="p14">
-      <p:transition p14:dur="0"/>
+  <mc:AlternateContent xmlns:mc="http://schemas.openxmlformats.org/markup-compatibility/2006">
+    <mc:Choice xmlns:p14="http://schemas.microsoft.com/office/powerpoint/2010/main" Requires="p14">
+      <p:transition p14:dur="300">
+        <p:fade/>
+      </p:transition>
     </mc:Choice>
-    <mc:Fallback xmlns="">
-      <p:transition/>
+    <mc:Fallback>
+      <p:transition>
+        <p:fade/>
+      </p:transition>
     </mc:Fallback>
   </mc:AlternateContent>
 </p:sld>
@@ -10496,12 +10782,16 @@
   <p:clrMapOvr>
     <a:masterClrMapping/>
   </p:clrMapOvr>
-  <mc:AlternateContent xmlns:mc="http://schemas.openxmlformats.org/markup-compatibility/2006" xmlns:p14="http://schemas.microsoft.com/office/powerpoint/2010/main">
-    <mc:Choice Requires="p14">
-      <p:transition p14:dur="0"/>
+  <mc:AlternateContent xmlns:mc="http://schemas.openxmlformats.org/markup-compatibility/2006">
+    <mc:Choice xmlns:p14="http://schemas.microsoft.com/office/powerpoint/2010/main" Requires="p14">
+      <p:transition p14:dur="300">
+        <p:fade/>
+      </p:transition>
     </mc:Choice>
-    <mc:Fallback xmlns="">
-      <p:transition/>
+    <mc:Fallback>
+      <p:transition>
+        <p:fade/>
+      </p:transition>
     </mc:Fallback>
   </mc:AlternateContent>
 </p:sld>
@@ -10613,12 +10903,16 @@
   <p:clrMapOvr>
     <a:masterClrMapping/>
   </p:clrMapOvr>
-  <mc:AlternateContent xmlns:mc="http://schemas.openxmlformats.org/markup-compatibility/2006" xmlns:p14="http://schemas.microsoft.com/office/powerpoint/2010/main">
-    <mc:Choice Requires="p14">
-      <p:transition p14:dur="0"/>
+  <mc:AlternateContent xmlns:mc="http://schemas.openxmlformats.org/markup-compatibility/2006">
+    <mc:Choice xmlns:p14="http://schemas.microsoft.com/office/powerpoint/2010/main" Requires="p14">
+      <p:transition p14:dur="300">
+        <p:fade/>
+      </p:transition>
     </mc:Choice>
-    <mc:Fallback xmlns="">
-      <p:transition/>
+    <mc:Fallback>
+      <p:transition>
+        <p:fade/>
+      </p:transition>
     </mc:Fallback>
   </mc:AlternateContent>
 </p:sld>
@@ -10730,12 +11024,16 @@
   <p:clrMapOvr>
     <a:masterClrMapping/>
   </p:clrMapOvr>
-  <mc:AlternateContent xmlns:mc="http://schemas.openxmlformats.org/markup-compatibility/2006" xmlns:p14="http://schemas.microsoft.com/office/powerpoint/2010/main">
-    <mc:Choice Requires="p14">
-      <p:transition p14:dur="0"/>
+  <mc:AlternateContent xmlns:mc="http://schemas.openxmlformats.org/markup-compatibility/2006">
+    <mc:Choice xmlns:p14="http://schemas.microsoft.com/office/powerpoint/2010/main" Requires="p14">
+      <p:transition p14:dur="300">
+        <p:fade/>
+      </p:transition>
     </mc:Choice>
-    <mc:Fallback xmlns="">
-      <p:transition/>
+    <mc:Fallback>
+      <p:transition>
+        <p:fade/>
+      </p:transition>
     </mc:Fallback>
   </mc:AlternateContent>
 </p:sld>
@@ -10847,12 +11145,16 @@
   <p:clrMapOvr>
     <a:masterClrMapping/>
   </p:clrMapOvr>
-  <mc:AlternateContent xmlns:mc="http://schemas.openxmlformats.org/markup-compatibility/2006" xmlns:p14="http://schemas.microsoft.com/office/powerpoint/2010/main">
-    <mc:Choice Requires="p14">
-      <p:transition p14:dur="0"/>
+  <mc:AlternateContent xmlns:mc="http://schemas.openxmlformats.org/markup-compatibility/2006">
+    <mc:Choice xmlns:p14="http://schemas.microsoft.com/office/powerpoint/2010/main" Requires="p14">
+      <p:transition p14:dur="300">
+        <p:fade/>
+      </p:transition>
     </mc:Choice>
-    <mc:Fallback xmlns="">
-      <p:transition/>
+    <mc:Fallback>
+      <p:transition>
+        <p:fade/>
+      </p:transition>
     </mc:Fallback>
   </mc:AlternateContent>
 </p:sld>
@@ -10982,12 +11284,16 @@
   <p:clrMapOvr>
     <a:masterClrMapping/>
   </p:clrMapOvr>
-  <mc:AlternateContent xmlns:mc="http://schemas.openxmlformats.org/markup-compatibility/2006" xmlns:p14="http://schemas.microsoft.com/office/powerpoint/2010/main">
-    <mc:Choice Requires="p14">
-      <p:transition p14:dur="0"/>
+  <mc:AlternateContent xmlns:mc="http://schemas.openxmlformats.org/markup-compatibility/2006">
+    <mc:Choice xmlns:p14="http://schemas.microsoft.com/office/powerpoint/2010/main" Requires="p14">
+      <p:transition p14:dur="300">
+        <p:fade/>
+      </p:transition>
     </mc:Choice>
-    <mc:Fallback xmlns="">
-      <p:transition/>
+    <mc:Fallback>
+      <p:transition>
+        <p:fade/>
+      </p:transition>
     </mc:Fallback>
   </mc:AlternateContent>
 </p:sld>
@@ -11054,12 +11360,16 @@
   <p:clrMapOvr>
     <a:masterClrMapping/>
   </p:clrMapOvr>
-  <mc:AlternateContent xmlns:mc="http://schemas.openxmlformats.org/markup-compatibility/2006" xmlns:p14="http://schemas.microsoft.com/office/powerpoint/2010/main">
-    <mc:Choice Requires="p14">
-      <p:transition p14:dur="0"/>
+  <mc:AlternateContent xmlns:mc="http://schemas.openxmlformats.org/markup-compatibility/2006">
+    <mc:Choice xmlns:p14="http://schemas.microsoft.com/office/powerpoint/2010/main" Requires="p14">
+      <p:transition p14:dur="300">
+        <p:fade/>
+      </p:transition>
     </mc:Choice>
-    <mc:Fallback xmlns="">
-      <p:transition/>
+    <mc:Fallback>
+      <p:transition>
+        <p:fade/>
+      </p:transition>
     </mc:Fallback>
   </mc:AlternateContent>
 </p:sld>
@@ -11185,12 +11495,16 @@
   <p:clrMapOvr>
     <a:masterClrMapping/>
   </p:clrMapOvr>
-  <mc:AlternateContent xmlns:mc="http://schemas.openxmlformats.org/markup-compatibility/2006" xmlns:p14="http://schemas.microsoft.com/office/powerpoint/2010/main">
-    <mc:Choice Requires="p14">
-      <p:transition p14:dur="0"/>
+  <mc:AlternateContent xmlns:mc="http://schemas.openxmlformats.org/markup-compatibility/2006">
+    <mc:Choice xmlns:p14="http://schemas.microsoft.com/office/powerpoint/2010/main" Requires="p14">
+      <p:transition p14:dur="300">
+        <p:fade/>
+      </p:transition>
     </mc:Choice>
-    <mc:Fallback xmlns="">
-      <p:transition/>
+    <mc:Fallback>
+      <p:transition>
+        <p:fade/>
+      </p:transition>
     </mc:Fallback>
   </mc:AlternateContent>
 </p:sld>
@@ -11331,12 +11645,16 @@
   <p:clrMapOvr>
     <a:masterClrMapping/>
   </p:clrMapOvr>
-  <mc:AlternateContent xmlns:mc="http://schemas.openxmlformats.org/markup-compatibility/2006" xmlns:p14="http://schemas.microsoft.com/office/powerpoint/2010/main">
-    <mc:Choice Requires="p14">
-      <p:transition p14:dur="0"/>
+  <mc:AlternateContent xmlns:mc="http://schemas.openxmlformats.org/markup-compatibility/2006">
+    <mc:Choice xmlns:p14="http://schemas.microsoft.com/office/powerpoint/2010/main" Requires="p14">
+      <p:transition p14:dur="300">
+        <p:fade/>
+      </p:transition>
     </mc:Choice>
-    <mc:Fallback xmlns="">
-      <p:transition/>
+    <mc:Fallback>
+      <p:transition>
+        <p:fade/>
+      </p:transition>
     </mc:Fallback>
   </mc:AlternateContent>
 </p:sld>
@@ -11470,12 +11788,16 @@
   <p:clrMapOvr>
     <a:masterClrMapping/>
   </p:clrMapOvr>
-  <mc:AlternateContent xmlns:mc="http://schemas.openxmlformats.org/markup-compatibility/2006" xmlns:p14="http://schemas.microsoft.com/office/powerpoint/2010/main">
-    <mc:Choice Requires="p14">
-      <p:transition p14:dur="0"/>
+  <mc:AlternateContent xmlns:mc="http://schemas.openxmlformats.org/markup-compatibility/2006">
+    <mc:Choice xmlns:p14="http://schemas.microsoft.com/office/powerpoint/2010/main" Requires="p14">
+      <p:transition p14:dur="300">
+        <p:fade/>
+      </p:transition>
     </mc:Choice>
-    <mc:Fallback xmlns="">
-      <p:transition/>
+    <mc:Fallback>
+      <p:transition>
+        <p:fade/>
+      </p:transition>
     </mc:Fallback>
   </mc:AlternateContent>
 </p:sld>
@@ -11604,12 +11926,16 @@
   <p:clrMapOvr>
     <a:masterClrMapping/>
   </p:clrMapOvr>
-  <mc:AlternateContent xmlns:mc="http://schemas.openxmlformats.org/markup-compatibility/2006" xmlns:p14="http://schemas.microsoft.com/office/powerpoint/2010/main">
-    <mc:Choice Requires="p14">
-      <p:transition p14:dur="0"/>
+  <mc:AlternateContent xmlns:mc="http://schemas.openxmlformats.org/markup-compatibility/2006">
+    <mc:Choice xmlns:p14="http://schemas.microsoft.com/office/powerpoint/2010/main" Requires="p14">
+      <p:transition p14:dur="300">
+        <p:fade/>
+      </p:transition>
     </mc:Choice>
-    <mc:Fallback xmlns="">
-      <p:transition/>
+    <mc:Fallback>
+      <p:transition>
+        <p:fade/>
+      </p:transition>
     </mc:Fallback>
   </mc:AlternateContent>
 </p:sld>
@@ -11739,12 +12065,16 @@
   <p:clrMapOvr>
     <a:masterClrMapping/>
   </p:clrMapOvr>
-  <mc:AlternateContent xmlns:mc="http://schemas.openxmlformats.org/markup-compatibility/2006" xmlns:p14="http://schemas.microsoft.com/office/powerpoint/2010/main">
-    <mc:Choice Requires="p14">
-      <p:transition p14:dur="0"/>
+  <mc:AlternateContent xmlns:mc="http://schemas.openxmlformats.org/markup-compatibility/2006">
+    <mc:Choice xmlns:p14="http://schemas.microsoft.com/office/powerpoint/2010/main" Requires="p14">
+      <p:transition p14:dur="300">
+        <p:fade/>
+      </p:transition>
     </mc:Choice>
-    <mc:Fallback xmlns="">
-      <p:transition/>
+    <mc:Fallback>
+      <p:transition>
+        <p:fade/>
+      </p:transition>
     </mc:Fallback>
   </mc:AlternateContent>
 </p:sld>
@@ -11862,12 +12192,16 @@
   <p:clrMapOvr>
     <a:masterClrMapping/>
   </p:clrMapOvr>
-  <mc:AlternateContent xmlns:mc="http://schemas.openxmlformats.org/markup-compatibility/2006" xmlns:p14="http://schemas.microsoft.com/office/powerpoint/2010/main">
-    <mc:Choice Requires="p14">
-      <p:transition p14:dur="0"/>
+  <mc:AlternateContent xmlns:mc="http://schemas.openxmlformats.org/markup-compatibility/2006">
+    <mc:Choice xmlns:p14="http://schemas.microsoft.com/office/powerpoint/2010/main" Requires="p14">
+      <p:transition p14:dur="300">
+        <p:fade/>
+      </p:transition>
     </mc:Choice>
-    <mc:Fallback xmlns="">
-      <p:transition/>
+    <mc:Fallback>
+      <p:transition>
+        <p:fade/>
+      </p:transition>
     </mc:Fallback>
   </mc:AlternateContent>
 </p:sld>
@@ -11996,12 +12330,16 @@
   <p:clrMapOvr>
     <a:masterClrMapping/>
   </p:clrMapOvr>
-  <mc:AlternateContent xmlns:mc="http://schemas.openxmlformats.org/markup-compatibility/2006" xmlns:p14="http://schemas.microsoft.com/office/powerpoint/2010/main">
-    <mc:Choice Requires="p14">
-      <p:transition p14:dur="0"/>
+  <mc:AlternateContent xmlns:mc="http://schemas.openxmlformats.org/markup-compatibility/2006">
+    <mc:Choice xmlns:p14="http://schemas.microsoft.com/office/powerpoint/2010/main" Requires="p14">
+      <p:transition p14:dur="300">
+        <p:fade/>
+      </p:transition>
     </mc:Choice>
-    <mc:Fallback xmlns="">
-      <p:transition/>
+    <mc:Fallback>
+      <p:transition>
+        <p:fade/>
+      </p:transition>
     </mc:Fallback>
   </mc:AlternateContent>
 </p:sld>
@@ -12112,12 +12450,16 @@
   <p:clrMapOvr>
     <a:masterClrMapping/>
   </p:clrMapOvr>
-  <mc:AlternateContent xmlns:mc="http://schemas.openxmlformats.org/markup-compatibility/2006" xmlns:p14="http://schemas.microsoft.com/office/powerpoint/2010/main">
-    <mc:Choice Requires="p14">
-      <p:transition p14:dur="0"/>
+  <mc:AlternateContent xmlns:mc="http://schemas.openxmlformats.org/markup-compatibility/2006">
+    <mc:Choice xmlns:p14="http://schemas.microsoft.com/office/powerpoint/2010/main" Requires="p14">
+      <p:transition p14:dur="300">
+        <p:fade/>
+      </p:transition>
     </mc:Choice>
-    <mc:Fallback xmlns="">
-      <p:transition/>
+    <mc:Fallback>
+      <p:transition>
+        <p:fade/>
+      </p:transition>
     </mc:Fallback>
   </mc:AlternateContent>
 </p:sld>
@@ -12264,12 +12606,16 @@
   <p:clrMapOvr>
     <a:masterClrMapping/>
   </p:clrMapOvr>
-  <mc:AlternateContent xmlns:mc="http://schemas.openxmlformats.org/markup-compatibility/2006" xmlns:p14="http://schemas.microsoft.com/office/powerpoint/2010/main">
-    <mc:Choice Requires="p14">
-      <p:transition p14:dur="0"/>
+  <mc:AlternateContent xmlns:mc="http://schemas.openxmlformats.org/markup-compatibility/2006">
+    <mc:Choice xmlns:p14="http://schemas.microsoft.com/office/powerpoint/2010/main" Requires="p14">
+      <p:transition p14:dur="300">
+        <p:fade/>
+      </p:transition>
     </mc:Choice>
-    <mc:Fallback xmlns="">
-      <p:transition/>
+    <mc:Fallback>
+      <p:transition>
+        <p:fade/>
+      </p:transition>
     </mc:Fallback>
   </mc:AlternateContent>
 </p:sld>
@@ -12380,12 +12726,16 @@
   <p:clrMapOvr>
     <a:masterClrMapping/>
   </p:clrMapOvr>
-  <mc:AlternateContent xmlns:mc="http://schemas.openxmlformats.org/markup-compatibility/2006" xmlns:p14="http://schemas.microsoft.com/office/powerpoint/2010/main">
-    <mc:Choice Requires="p14">
-      <p:transition p14:dur="0"/>
+  <mc:AlternateContent xmlns:mc="http://schemas.openxmlformats.org/markup-compatibility/2006">
+    <mc:Choice xmlns:p14="http://schemas.microsoft.com/office/powerpoint/2010/main" Requires="p14">
+      <p:transition p14:dur="300">
+        <p:fade/>
+      </p:transition>
     </mc:Choice>
-    <mc:Fallback xmlns="">
-      <p:transition/>
+    <mc:Fallback>
+      <p:transition>
+        <p:fade/>
+      </p:transition>
     </mc:Fallback>
   </mc:AlternateContent>
 </p:sld>
@@ -12410,10 +12760,10 @@
       </p:grpSpPr>
       <p:sp>
         <p:nvSpPr>
-          <p:cNvPr id="8194" name="NotDefined 2">
+          <p:cNvPr id="11" name="Title 3">
             <a:extLst>
               <a:ext uri="{FF2B5EF4-FFF2-40B4-BE49-F238E27FC236}">
-                <a16:creationId xmlns:a16="http://schemas.microsoft.com/office/drawing/2014/main" id="{9F859468-BAE3-EECD-4FED-87C311D0E8D1}"/>
+                <a16:creationId xmlns:a16="http://schemas.microsoft.com/office/drawing/2014/main" id="{4E604A7F-4B49-4FDE-B247-CED3E88C9DED}"/>
               </a:ext>
             </a:extLst>
           </p:cNvPr>
@@ -12425,57 +12775,29 @@
           </p:nvPr>
         </p:nvSpPr>
         <p:spPr>
-          <a:noFill/>
-          <a:ln cap="flat">
-            <a:noFill/>
-            <a:miter lim="800000"/>
-          </a:ln>
-          <a:extLst>
-            <a:ext uri="{909E8E84-426E-40DD-AFC4-6F175D3DCCD1}">
-              <a14:hiddenFill xmlns:a14="http://schemas.microsoft.com/office/drawing/2010/main">
-                <a:solidFill>
-                  <a:schemeClr val="accent1"/>
-                </a:solidFill>
-              </a14:hiddenFill>
-            </a:ext>
-            <a:ext uri="{91240B29-F687-4F45-9708-019B960494DF}">
-              <a14:hiddenLine xmlns:a14="http://schemas.microsoft.com/office/drawing/2010/main" w="9525" algn="ctr">
-                <a:solidFill>
-                  <a:srgbClr val="000000"/>
-                </a:solidFill>
-                <a:miter lim="800000"/>
-                <a:headEnd/>
-                <a:tailEnd/>
-              </a14:hiddenLine>
-            </a:ext>
-          </a:extLst>
+          <a:xfrm>
+            <a:off x="0" y="1219199"/>
+            <a:ext cx="12192000" cy="1143000"/>
+          </a:xfrm>
         </p:spPr>
         <p:txBody>
-          <a:bodyPr vert="horz" wrap="square" lIns="91440" tIns="45720" rIns="91440" bIns="45720" numCol="1" anchor="ctr" anchorCtr="0" compatLnSpc="1">
-            <a:prstTxWarp prst="textNoShape">
-              <a:avLst/>
-            </a:prstTxWarp>
-            <a:noAutofit/>
-          </a:bodyPr>
+          <a:bodyPr/>
           <a:lstStyle/>
           <a:p>
-            <a:pPr rtl="1"/>
-            <a:r>
-              <a:rPr lang="ar-SA" altLang="en-US" sz="8000" dirty="0">
-                <a:latin typeface="Arabic Typesetting" panose="03020402040406030203" pitchFamily="66" charset="-78"/>
-                <a:cs typeface="Arabic Typesetting" panose="03020402040406030203" pitchFamily="66" charset="-78"/>
-              </a:rPr>
-              <a:t>اَللَّهُمَّ صَلِّ عَلٰى مُحَمَّدٍ وَآلِ مُحَمَّدٍ</a:t>
-            </a:r>
-          </a:p>
-        </p:txBody>
-      </p:sp>
-      <p:sp>
-        <p:nvSpPr>
-          <p:cNvPr id="8195" name="NotDefined 3">
+            <a:r>
+              <a:rPr lang="ar-SA" dirty="0"/>
+              <a:t>أَللّٰهُمَّ صَلِّ عَلٰى مُحَمَّدٍ وَآلِ مُحَمَّدٍ</a:t>
+            </a:r>
+            <a:endParaRPr lang="en-US" dirty="0"/>
+          </a:p>
+        </p:txBody>
+      </p:sp>
+      <p:sp>
+        <p:nvSpPr>
+          <p:cNvPr id="12" name="Subtitle 4">
             <a:extLst>
               <a:ext uri="{FF2B5EF4-FFF2-40B4-BE49-F238E27FC236}">
-                <a16:creationId xmlns:a16="http://schemas.microsoft.com/office/drawing/2014/main" id="{B58E9A8D-9273-1A07-DDBE-713E297ABE75}"/>
+                <a16:creationId xmlns:a16="http://schemas.microsoft.com/office/drawing/2014/main" id="{0A3FC473-E56A-4E2F-BE7C-7E2CF70D6289}"/>
               </a:ext>
             </a:extLst>
           </p:cNvPr>
@@ -12487,224 +12809,48 @@
           </p:nvPr>
         </p:nvSpPr>
         <p:spPr>
-          <a:ln cap="flat">
-            <a:miter lim="800000"/>
-          </a:ln>
+          <a:xfrm>
+            <a:off x="2171700" y="4495801"/>
+            <a:ext cx="7848600" cy="1905000"/>
+          </a:xfrm>
         </p:spPr>
         <p:txBody>
-          <a:bodyPr rot="0">
-            <a:noAutofit/>
-          </a:bodyPr>
-          <a:lstStyle>
-            <a:lvl1pPr marL="0" indent="0" algn="ctr" defTabSz="914400" rtl="0" eaLnBrk="1" fontAlgn="base" hangingPunct="1">
-              <a:lnSpc>
-                <a:spcPct val="80000"/>
-              </a:lnSpc>
-              <a:spcBef>
-                <a:spcPct val="60000"/>
-              </a:spcBef>
-              <a:spcAft>
-                <a:spcPct val="0"/>
-              </a:spcAft>
-              <a:buClrTx/>
-              <a:buSzTx/>
-              <a:buFontTx/>
-              <a:buNone/>
-              <a:defRPr kumimoji="0" lang="en-US" altLang="en-US" sz="2000" b="1" i="0" u="none" baseline="0">
-                <a:solidFill>
-                  <a:srgbClr val="000066"/>
-                </a:solidFill>
-                <a:effectLst/>
-                <a:latin typeface="Trebuchet MS" pitchFamily="34" charset="0"/>
-                <a:ea typeface="Arial" pitchFamily="34" charset="0"/>
-              </a:defRPr>
-            </a:lvl1pPr>
-            <a:lvl2pPr marL="457200" indent="0" algn="ctr" defTabSz="914400" rtl="0" eaLnBrk="1" fontAlgn="base" hangingPunct="1">
-              <a:lnSpc>
-                <a:spcPct val="100000"/>
-              </a:lnSpc>
-              <a:spcBef>
-                <a:spcPct val="20000"/>
-              </a:spcBef>
-              <a:spcAft>
-                <a:spcPct val="0"/>
-              </a:spcAft>
-              <a:buClrTx/>
-              <a:buSzTx/>
-              <a:buFontTx/>
-              <a:buNone/>
-              <a:defRPr kumimoji="0" lang="en-US" altLang="en-US" sz="2800" b="0" i="0" u="none" baseline="0">
-                <a:solidFill>
-                  <a:srgbClr val="000066"/>
-                </a:solidFill>
-                <a:effectLst/>
-                <a:latin typeface="Arial" pitchFamily="34" charset="0"/>
-                <a:ea typeface="Arial" pitchFamily="34" charset="0"/>
-              </a:defRPr>
-            </a:lvl2pPr>
-            <a:lvl3pPr marL="914400" indent="0" algn="ctr" defTabSz="914400" rtl="0" eaLnBrk="1" fontAlgn="base" hangingPunct="1">
-              <a:lnSpc>
-                <a:spcPct val="100000"/>
-              </a:lnSpc>
-              <a:spcBef>
-                <a:spcPct val="20000"/>
-              </a:spcBef>
-              <a:spcAft>
-                <a:spcPct val="0"/>
-              </a:spcAft>
-              <a:buClrTx/>
-              <a:buSzTx/>
-              <a:buFontTx/>
-              <a:buNone/>
-              <a:defRPr kumimoji="0" lang="en-US" altLang="en-US" sz="2400" b="0" i="0" u="none" baseline="0">
-                <a:solidFill>
-                  <a:srgbClr val="000066"/>
-                </a:solidFill>
-                <a:effectLst/>
-                <a:latin typeface="Arial" pitchFamily="34" charset="0"/>
-                <a:ea typeface="Arial" pitchFamily="34" charset="0"/>
-              </a:defRPr>
-            </a:lvl3pPr>
-            <a:lvl4pPr marL="1371600" indent="0" algn="ctr" defTabSz="914400" rtl="0" eaLnBrk="1" fontAlgn="base" hangingPunct="1">
-              <a:lnSpc>
-                <a:spcPct val="100000"/>
-              </a:lnSpc>
-              <a:spcBef>
-                <a:spcPct val="20000"/>
-              </a:spcBef>
-              <a:spcAft>
-                <a:spcPct val="0"/>
-              </a:spcAft>
-              <a:buClrTx/>
-              <a:buSzTx/>
-              <a:buFontTx/>
-              <a:buNone/>
-              <a:defRPr kumimoji="0" lang="en-US" altLang="en-US" sz="2000" b="0" i="0" u="none" baseline="0">
-                <a:solidFill>
-                  <a:srgbClr val="000066"/>
-                </a:solidFill>
-                <a:effectLst/>
-                <a:latin typeface="Arial" pitchFamily="34" charset="0"/>
-                <a:ea typeface="Arial" pitchFamily="34" charset="0"/>
-              </a:defRPr>
-            </a:lvl4pPr>
-            <a:lvl5pPr marL="1828800" indent="0" algn="ctr" defTabSz="914400" rtl="0" eaLnBrk="1" fontAlgn="base" hangingPunct="1">
-              <a:lnSpc>
-                <a:spcPct val="100000"/>
-              </a:lnSpc>
-              <a:spcBef>
-                <a:spcPct val="20000"/>
-              </a:spcBef>
-              <a:spcAft>
-                <a:spcPct val="0"/>
-              </a:spcAft>
-              <a:buClrTx/>
-              <a:buSzTx/>
-              <a:buFontTx/>
-              <a:buNone/>
-              <a:defRPr kumimoji="0" lang="en-US" altLang="en-US" sz="2000" b="0" i="0" u="none" baseline="0">
-                <a:solidFill>
-                  <a:srgbClr val="000066"/>
-                </a:solidFill>
-                <a:effectLst/>
-                <a:latin typeface="Arial" pitchFamily="34" charset="0"/>
-                <a:ea typeface="Arial" pitchFamily="34" charset="0"/>
-              </a:defRPr>
-            </a:lvl5pPr>
-          </a:lstStyle>
-          <a:p>
-            <a:pPr>
-              <a:lnSpc>
-                <a:spcPct val="100000"/>
-              </a:lnSpc>
-              <a:spcBef>
-                <a:spcPct val="20000"/>
-              </a:spcBef>
-            </a:pPr>
-            <a:r>
-              <a:rPr sz="3200" b="0" dirty="0">
-                <a:ln w="9525" cap="flat" cmpd="sng" algn="ctr">
-                  <a:noFill/>
-                  <a:prstDash val="solid"/>
-                  <a:round/>
-                  <a:headEnd type="none" w="med" len="med"/>
-                  <a:tailEnd type="none" w="med" len="med"/>
-                </a:ln>
-                <a:latin typeface="Calibri Light" panose="020F0302020204030204" pitchFamily="34" charset="0"/>
-                <a:ea typeface="MS Mincho" charset="-128"/>
-              </a:rPr>
-              <a:t>O' </a:t>
-            </a:r>
-            <a:r>
-              <a:rPr sz="3200" b="0" dirty="0" err="1">
-                <a:ln w="9525" cap="flat" cmpd="sng" algn="ctr">
-                  <a:noFill/>
-                  <a:prstDash val="solid"/>
-                  <a:round/>
-                  <a:headEnd type="none" w="med" len="med"/>
-                  <a:tailEnd type="none" w="med" len="med"/>
-                </a:ln>
-                <a:latin typeface="Calibri Light" panose="020F0302020204030204" pitchFamily="34" charset="0"/>
-                <a:ea typeface="MS Mincho" charset="-128"/>
-              </a:rPr>
-              <a:t>Alláh</a:t>
-            </a:r>
-            <a:r>
-              <a:rPr sz="3200" b="0" dirty="0">
-                <a:ln w="9525" cap="flat" cmpd="sng" algn="ctr">
-                  <a:noFill/>
-                  <a:prstDash val="solid"/>
-                  <a:round/>
-                  <a:headEnd type="none" w="med" len="med"/>
-                  <a:tailEnd type="none" w="med" len="med"/>
-                </a:ln>
-                <a:latin typeface="Calibri Light" panose="020F0302020204030204" pitchFamily="34" charset="0"/>
-                <a:ea typeface="MS Mincho" charset="-128"/>
-              </a:rPr>
-              <a:t> send Your blessings on Muhammad</a:t>
-            </a:r>
-          </a:p>
-          <a:p>
-            <a:pPr>
-              <a:lnSpc>
-                <a:spcPct val="100000"/>
-              </a:lnSpc>
-              <a:spcBef>
-                <a:spcPct val="20000"/>
-              </a:spcBef>
-            </a:pPr>
-            <a:r>
-              <a:rPr sz="3200" b="0" dirty="0">
-                <a:ln w="9525" cap="flat" cmpd="sng" algn="ctr">
-                  <a:noFill/>
-                  <a:prstDash val="solid"/>
-                  <a:round/>
-                  <a:headEnd type="none" w="med" len="med"/>
-                  <a:tailEnd type="none" w="med" len="med"/>
-                </a:ln>
-                <a:latin typeface="Calibri Light" panose="020F0302020204030204" pitchFamily="34" charset="0"/>
-                <a:ea typeface="MS Mincho" charset="-128"/>
-              </a:rPr>
+          <a:bodyPr/>
+          <a:lstStyle/>
+          <a:p>
+            <a:r>
+              <a:rPr lang="en-US" dirty="0"/>
+              <a:t>O' Allah send Your blessings on Muhammad</a:t>
+            </a:r>
+          </a:p>
+          <a:p>
+            <a:r>
+              <a:rPr lang="en-US" dirty="0"/>
               <a:t>and the family of Muhammad.</a:t>
             </a:r>
-            <a:endParaRPr sz="3200" b="0" dirty="0">
-              <a:latin typeface="Calibri Light" panose="020F0302020204030204" pitchFamily="34" charset="0"/>
-              <a:ea typeface="MS Mincho" charset="-128"/>
-            </a:endParaRPr>
           </a:p>
         </p:txBody>
       </p:sp>
     </p:spTree>
+    <p:extLst>
+      <p:ext uri="{BB962C8B-B14F-4D97-AF65-F5344CB8AC3E}">
+        <p14:creationId xmlns:p14="http://schemas.microsoft.com/office/powerpoint/2010/main" val="2004479786"/>
+      </p:ext>
+    </p:extLst>
   </p:cSld>
   <p:clrMapOvr>
     <a:masterClrMapping/>
   </p:clrMapOvr>
-  <mc:AlternateContent xmlns:mc="http://schemas.openxmlformats.org/markup-compatibility/2006" xmlns:p14="http://schemas.microsoft.com/office/powerpoint/2010/main">
-    <mc:Choice Requires="p14">
-      <p:transition p14:dur="0" advTm="2313"/>
+  <mc:AlternateContent xmlns:mc="http://schemas.openxmlformats.org/markup-compatibility/2006">
+    <mc:Choice xmlns:p14="http://schemas.microsoft.com/office/powerpoint/2010/main" Requires="p14">
+      <p:transition p14:dur="300">
+        <p:fade/>
+      </p:transition>
     </mc:Choice>
-    <mc:Fallback xmlns="">
-      <p:transition advTm="2313"/>
+    <mc:Fallback>
+      <p:transition>
+        <p:fade/>
+      </p:transition>
     </mc:Fallback>
   </mc:AlternateContent>
 </p:sld>
@@ -13189,12 +13335,16 @@
   <p:clrMapOvr>
     <a:masterClrMapping/>
   </p:clrMapOvr>
-  <mc:AlternateContent xmlns:mc="http://schemas.openxmlformats.org/markup-compatibility/2006" xmlns:p14="http://schemas.microsoft.com/office/powerpoint/2010/main">
-    <mc:Choice Requires="p14">
-      <p:transition p14:dur="0"/>
+  <mc:AlternateContent xmlns:mc="http://schemas.openxmlformats.org/markup-compatibility/2006">
+    <mc:Choice xmlns:p14="http://schemas.microsoft.com/office/powerpoint/2010/main" Requires="p14">
+      <p:transition p14:dur="300">
+        <p:fade/>
+      </p:transition>
     </mc:Choice>
-    <mc:Fallback xmlns="">
-      <p:transition/>
+    <mc:Fallback>
+      <p:transition>
+        <p:fade/>
+      </p:transition>
     </mc:Fallback>
   </mc:AlternateContent>
 </p:sld>
@@ -13336,12 +13486,16 @@
   <p:clrMapOvr>
     <a:masterClrMapping/>
   </p:clrMapOvr>
-  <mc:AlternateContent xmlns:mc="http://schemas.openxmlformats.org/markup-compatibility/2006" xmlns:p14="http://schemas.microsoft.com/office/powerpoint/2010/main">
-    <mc:Choice Requires="p14">
-      <p:transition p14:dur="0"/>
+  <mc:AlternateContent xmlns:mc="http://schemas.openxmlformats.org/markup-compatibility/2006">
+    <mc:Choice xmlns:p14="http://schemas.microsoft.com/office/powerpoint/2010/main" Requires="p14">
+      <p:transition p14:dur="300">
+        <p:fade/>
+      </p:transition>
     </mc:Choice>
-    <mc:Fallback xmlns="">
-      <p:transition/>
+    <mc:Fallback>
+      <p:transition>
+        <p:fade/>
+      </p:transition>
     </mc:Fallback>
   </mc:AlternateContent>
 </p:sld>
@@ -13469,12 +13623,16 @@
   <p:clrMapOvr>
     <a:masterClrMapping/>
   </p:clrMapOvr>
-  <mc:AlternateContent xmlns:mc="http://schemas.openxmlformats.org/markup-compatibility/2006" xmlns:p14="http://schemas.microsoft.com/office/powerpoint/2010/main">
-    <mc:Choice Requires="p14">
-      <p:transition p14:dur="0"/>
+  <mc:AlternateContent xmlns:mc="http://schemas.openxmlformats.org/markup-compatibility/2006">
+    <mc:Choice xmlns:p14="http://schemas.microsoft.com/office/powerpoint/2010/main" Requires="p14">
+      <p:transition p14:dur="300">
+        <p:fade/>
+      </p:transition>
     </mc:Choice>
-    <mc:Fallback xmlns="">
-      <p:transition/>
+    <mc:Fallback>
+      <p:transition>
+        <p:fade/>
+      </p:transition>
     </mc:Fallback>
   </mc:AlternateContent>
 </p:sld>
@@ -13594,12 +13752,16 @@
   <p:clrMapOvr>
     <a:masterClrMapping/>
   </p:clrMapOvr>
-  <mc:AlternateContent xmlns:mc="http://schemas.openxmlformats.org/markup-compatibility/2006" xmlns:p14="http://schemas.microsoft.com/office/powerpoint/2010/main">
-    <mc:Choice Requires="p14">
-      <p:transition p14:dur="0"/>
+  <mc:AlternateContent xmlns:mc="http://schemas.openxmlformats.org/markup-compatibility/2006">
+    <mc:Choice xmlns:p14="http://schemas.microsoft.com/office/powerpoint/2010/main" Requires="p14">
+      <p:transition p14:dur="300">
+        <p:fade/>
+      </p:transition>
     </mc:Choice>
-    <mc:Fallback xmlns="">
-      <p:transition/>
+    <mc:Fallback>
+      <p:transition>
+        <p:fade/>
+      </p:transition>
     </mc:Fallback>
   </mc:AlternateContent>
 </p:sld>
@@ -13710,12 +13872,16 @@
   <p:clrMapOvr>
     <a:masterClrMapping/>
   </p:clrMapOvr>
-  <mc:AlternateContent xmlns:mc="http://schemas.openxmlformats.org/markup-compatibility/2006" xmlns:p14="http://schemas.microsoft.com/office/powerpoint/2010/main">
-    <mc:Choice Requires="p14">
-      <p:transition p14:dur="0"/>
+  <mc:AlternateContent xmlns:mc="http://schemas.openxmlformats.org/markup-compatibility/2006">
+    <mc:Choice xmlns:p14="http://schemas.microsoft.com/office/powerpoint/2010/main" Requires="p14">
+      <p:transition p14:dur="300">
+        <p:fade/>
+      </p:transition>
     </mc:Choice>
-    <mc:Fallback xmlns="">
-      <p:transition/>
+    <mc:Fallback>
+      <p:transition>
+        <p:fade/>
+      </p:transition>
     </mc:Fallback>
   </mc:AlternateContent>
 </p:sld>
@@ -13827,12 +13993,16 @@
   <p:clrMapOvr>
     <a:masterClrMapping/>
   </p:clrMapOvr>
-  <mc:AlternateContent xmlns:mc="http://schemas.openxmlformats.org/markup-compatibility/2006" xmlns:p14="http://schemas.microsoft.com/office/powerpoint/2010/main">
-    <mc:Choice Requires="p14">
-      <p:transition p14:dur="0"/>
+  <mc:AlternateContent xmlns:mc="http://schemas.openxmlformats.org/markup-compatibility/2006">
+    <mc:Choice xmlns:p14="http://schemas.microsoft.com/office/powerpoint/2010/main" Requires="p14">
+      <p:transition p14:dur="300">
+        <p:fade/>
+      </p:transition>
     </mc:Choice>
-    <mc:Fallback xmlns="">
-      <p:transition/>
+    <mc:Fallback>
+      <p:transition>
+        <p:fade/>
+      </p:transition>
     </mc:Fallback>
   </mc:AlternateContent>
 </p:sld>
@@ -13944,12 +14114,16 @@
   <p:clrMapOvr>
     <a:masterClrMapping/>
   </p:clrMapOvr>
-  <mc:AlternateContent xmlns:mc="http://schemas.openxmlformats.org/markup-compatibility/2006" xmlns:p14="http://schemas.microsoft.com/office/powerpoint/2010/main">
-    <mc:Choice Requires="p14">
-      <p:transition p14:dur="0"/>
+  <mc:AlternateContent xmlns:mc="http://schemas.openxmlformats.org/markup-compatibility/2006">
+    <mc:Choice xmlns:p14="http://schemas.microsoft.com/office/powerpoint/2010/main" Requires="p14">
+      <p:transition p14:dur="300">
+        <p:fade/>
+      </p:transition>
     </mc:Choice>
-    <mc:Fallback xmlns="">
-      <p:transition/>
+    <mc:Fallback>
+      <p:transition>
+        <p:fade/>
+      </p:transition>
     </mc:Fallback>
   </mc:AlternateContent>
 </p:sld>
@@ -14061,12 +14235,16 @@
   <p:clrMapOvr>
     <a:masterClrMapping/>
   </p:clrMapOvr>
-  <mc:AlternateContent xmlns:mc="http://schemas.openxmlformats.org/markup-compatibility/2006" xmlns:p14="http://schemas.microsoft.com/office/powerpoint/2010/main">
-    <mc:Choice Requires="p14">
-      <p:transition p14:dur="0"/>
+  <mc:AlternateContent xmlns:mc="http://schemas.openxmlformats.org/markup-compatibility/2006">
+    <mc:Choice xmlns:p14="http://schemas.microsoft.com/office/powerpoint/2010/main" Requires="p14">
+      <p:transition p14:dur="300">
+        <p:fade/>
+      </p:transition>
     </mc:Choice>
-    <mc:Fallback xmlns="">
-      <p:transition/>
+    <mc:Fallback>
+      <p:transition>
+        <p:fade/>
+      </p:transition>
     </mc:Fallback>
   </mc:AlternateContent>
 </p:sld>
@@ -14091,9 +14269,15 @@
       </p:grpSpPr>
       <p:sp>
         <p:nvSpPr>
-          <p:cNvPr id="4098" name="Rectangle 2"/>
-          <p:cNvSpPr>
-            <a:spLocks noGrp="1" noChangeArrowheads="1"/>
+          <p:cNvPr id="11" name="Title 3">
+            <a:extLst>
+              <a:ext uri="{FF2B5EF4-FFF2-40B4-BE49-F238E27FC236}">
+                <a16:creationId xmlns:a16="http://schemas.microsoft.com/office/drawing/2014/main" id="{4E604A7F-4B49-4FDE-B247-CED3E88C9DED}"/>
+              </a:ext>
+            </a:extLst>
+          </p:cNvPr>
+          <p:cNvSpPr>
+            <a:spLocks noGrp="1"/>
           </p:cNvSpPr>
           <p:nvPr>
             <p:ph type="title"/>
@@ -14101,67 +14285,33 @@
         </p:nvSpPr>
         <p:spPr>
           <a:xfrm>
-            <a:off x="0" y="1128980"/>
-            <a:ext cx="12192000" cy="1323439"/>
+            <a:off x="0" y="1219199"/>
+            <a:ext cx="12192000" cy="1143000"/>
           </a:xfrm>
-          <a:noFill/>
-          <a:ln>
-            <a:noFill/>
-          </a:ln>
-          <a:effectLst/>
-          <a:extLst>
-            <a:ext uri="{909E8E84-426E-40DD-AFC4-6F175D3DCCD1}">
-              <a14:hiddenFill xmlns:a14="http://schemas.microsoft.com/office/drawing/2010/main">
-                <a:solidFill>
-                  <a:schemeClr val="accent1"/>
-                </a:solidFill>
-              </a14:hiddenFill>
-            </a:ext>
-            <a:ext uri="{91240B29-F687-4F45-9708-019B960494DF}">
-              <a14:hiddenLine xmlns:a14="http://schemas.microsoft.com/office/drawing/2010/main" w="9525" cap="flat" cmpd="sng" algn="ctr">
-                <a:solidFill>
-                  <a:schemeClr val="tx1"/>
-                </a:solidFill>
-                <a:prstDash val="solid"/>
-                <a:miter lim="800000"/>
-                <a:headEnd/>
-                <a:tailEnd/>
-              </a14:hiddenLine>
-            </a:ext>
-            <a:ext uri="{AF507438-7753-43E0-B8FC-AC1667EBCBE1}">
-              <a14:hiddenEffects xmlns:a14="http://schemas.microsoft.com/office/drawing/2010/main">
-                <a:effectLst>
-                  <a:outerShdw dist="35921" dir="2700000" algn="ctr" rotWithShape="0">
-                    <a:schemeClr val="bg2"/>
-                  </a:outerShdw>
-                </a:effectLst>
-              </a14:hiddenEffects>
-            </a:ext>
-          </a:extLst>
         </p:spPr>
         <p:txBody>
-          <a:bodyPr vert="horz" wrap="square" lIns="91440" tIns="45720" rIns="91440" bIns="45720" numCol="1" anchor="ctr" anchorCtr="0" compatLnSpc="1">
-            <a:prstTxWarp prst="textNoShape">
-              <a:avLst/>
-            </a:prstTxWarp>
-            <a:spAutoFit/>
-          </a:bodyPr>
+          <a:bodyPr/>
           <a:lstStyle/>
           <a:p>
-            <a:pPr rtl="1"/>
-            <a:r>
-              <a:rPr lang="ar-SA" altLang="en-US" dirty="0"/>
-              <a:t>اَللَّهُمَّ صَلِّ عَلٰى مُحَمَّدٍ وَآلِ مُحَمَّدٍ</a:t>
-            </a:r>
-            <a:endParaRPr lang="en-US" altLang="en-US" dirty="0"/>
-          </a:p>
-        </p:txBody>
-      </p:sp>
-      <p:sp>
-        <p:nvSpPr>
-          <p:cNvPr id="4099" name="Rectangle 3"/>
-          <p:cNvSpPr>
-            <a:spLocks noGrp="1" noChangeArrowheads="1"/>
+            <a:r>
+              <a:rPr lang="ar-SA" dirty="0"/>
+              <a:t>أَللّٰهُمَّ صَلِّ عَلٰى مُحَمَّدٍ وَآلِ مُحَمَّدٍ</a:t>
+            </a:r>
+            <a:endParaRPr lang="en-US" dirty="0"/>
+          </a:p>
+        </p:txBody>
+      </p:sp>
+      <p:sp>
+        <p:nvSpPr>
+          <p:cNvPr id="12" name="Subtitle 4">
+            <a:extLst>
+              <a:ext uri="{FF2B5EF4-FFF2-40B4-BE49-F238E27FC236}">
+                <a16:creationId xmlns:a16="http://schemas.microsoft.com/office/drawing/2014/main" id="{0A3FC473-E56A-4E2F-BE7C-7E2CF70D6289}"/>
+              </a:ext>
+            </a:extLst>
+          </p:cNvPr>
+          <p:cNvSpPr>
+            <a:spLocks noGrp="1"/>
           </p:cNvSpPr>
           <p:nvPr>
             <p:ph type="body" sz="quarter" idx="10"/>
@@ -14170,55 +14320,46 @@
         <p:spPr>
           <a:xfrm>
             <a:off x="2171700" y="4495801"/>
-            <a:ext cx="7848600" cy="1077218"/>
+            <a:ext cx="7848600" cy="1905000"/>
           </a:xfrm>
-          <a:noFill/>
-          <a:extLst>
-            <a:ext uri="{91240B29-F687-4F45-9708-019B960494DF}">
-              <a14:hiddenLine xmlns:a14="http://schemas.microsoft.com/office/drawing/2010/main" w="9525" cap="flat" cmpd="sng" algn="ctr">
-                <a:solidFill>
-                  <a:schemeClr val="tx1"/>
-                </a:solidFill>
-                <a:prstDash val="solid"/>
-                <a:miter lim="800000"/>
-                <a:headEnd/>
-                <a:tailEnd/>
-              </a14:hiddenLine>
-            </a:ext>
-          </a:extLst>
         </p:spPr>
         <p:txBody>
-          <a:bodyPr>
-            <a:spAutoFit/>
-          </a:bodyPr>
+          <a:bodyPr/>
           <a:lstStyle/>
           <a:p>
             <a:r>
-              <a:rPr lang="en-US" altLang="en-US" dirty="0"/>
-              <a:t>O </a:t>
-            </a:r>
-            <a:r>
-              <a:rPr lang="en-US" altLang="en-US" dirty="0" err="1"/>
-              <a:t>Alláh</a:t>
-            </a:r>
-            <a:r>
-              <a:rPr lang="en-US" altLang="en-US" dirty="0"/>
-              <a:t> bless Muhammad and the family of Muhammad.</a:t>
+              <a:rPr lang="en-US" dirty="0"/>
+              <a:t>O' Allah send Your blessings on Muhammad</a:t>
+            </a:r>
+          </a:p>
+          <a:p>
+            <a:r>
+              <a:rPr lang="en-US" dirty="0"/>
+              <a:t>and the family of Muhammad.</a:t>
             </a:r>
           </a:p>
         </p:txBody>
       </p:sp>
     </p:spTree>
+    <p:extLst>
+      <p:ext uri="{BB962C8B-B14F-4D97-AF65-F5344CB8AC3E}">
+        <p14:creationId xmlns:p14="http://schemas.microsoft.com/office/powerpoint/2010/main" val="4261120500"/>
+      </p:ext>
+    </p:extLst>
   </p:cSld>
   <p:clrMapOvr>
     <a:masterClrMapping/>
   </p:clrMapOvr>
-  <mc:AlternateContent xmlns:mc="http://schemas.openxmlformats.org/markup-compatibility/2006" xmlns:p14="http://schemas.microsoft.com/office/powerpoint/2010/main">
-    <mc:Choice Requires="p14">
-      <p:transition p14:dur="0" advClick="0"/>
+  <mc:AlternateContent xmlns:mc="http://schemas.openxmlformats.org/markup-compatibility/2006">
+    <mc:Choice xmlns:p14="http://schemas.microsoft.com/office/powerpoint/2010/main" Requires="p14">
+      <p:transition p14:dur="300">
+        <p:fade/>
+      </p:transition>
     </mc:Choice>
-    <mc:Fallback xmlns="">
-      <p:transition advClick="0"/>
+    <mc:Fallback>
+      <p:transition>
+        <p:fade/>
+      </p:transition>
     </mc:Fallback>
   </mc:AlternateContent>
 </p:sld>
@@ -14348,12 +14489,16 @@
   <p:clrMapOvr>
     <a:masterClrMapping/>
   </p:clrMapOvr>
-  <mc:AlternateContent xmlns:mc="http://schemas.openxmlformats.org/markup-compatibility/2006" xmlns:p14="http://schemas.microsoft.com/office/powerpoint/2010/main">
-    <mc:Choice Requires="p14">
-      <p:transition p14:dur="0"/>
+  <mc:AlternateContent xmlns:mc="http://schemas.openxmlformats.org/markup-compatibility/2006">
+    <mc:Choice xmlns:p14="http://schemas.microsoft.com/office/powerpoint/2010/main" Requires="p14">
+      <p:transition p14:dur="300">
+        <p:fade/>
+      </p:transition>
     </mc:Choice>
-    <mc:Fallback xmlns="">
-      <p:transition/>
+    <mc:Fallback>
+      <p:transition>
+        <p:fade/>
+      </p:transition>
     </mc:Fallback>
   </mc:AlternateContent>
 </p:sld>
@@ -14494,12 +14639,16 @@
   <p:clrMapOvr>
     <a:masterClrMapping/>
   </p:clrMapOvr>
-  <mc:AlternateContent xmlns:mc="http://schemas.openxmlformats.org/markup-compatibility/2006" xmlns:p14="http://schemas.microsoft.com/office/powerpoint/2010/main">
-    <mc:Choice Requires="p14">
-      <p:transition p14:dur="0"/>
+  <mc:AlternateContent xmlns:mc="http://schemas.openxmlformats.org/markup-compatibility/2006">
+    <mc:Choice xmlns:p14="http://schemas.microsoft.com/office/powerpoint/2010/main" Requires="p14">
+      <p:transition p14:dur="300">
+        <p:fade/>
+      </p:transition>
     </mc:Choice>
-    <mc:Fallback xmlns="">
-      <p:transition/>
+    <mc:Fallback>
+      <p:transition>
+        <p:fade/>
+      </p:transition>
     </mc:Fallback>
   </mc:AlternateContent>
 </p:sld>
@@ -14615,12 +14764,16 @@
   <p:clrMapOvr>
     <a:masterClrMapping/>
   </p:clrMapOvr>
-  <mc:AlternateContent xmlns:mc="http://schemas.openxmlformats.org/markup-compatibility/2006" xmlns:p14="http://schemas.microsoft.com/office/powerpoint/2010/main">
-    <mc:Choice Requires="p14">
-      <p:transition p14:dur="0"/>
+  <mc:AlternateContent xmlns:mc="http://schemas.openxmlformats.org/markup-compatibility/2006">
+    <mc:Choice xmlns:p14="http://schemas.microsoft.com/office/powerpoint/2010/main" Requires="p14">
+      <p:transition p14:dur="300">
+        <p:fade/>
+      </p:transition>
     </mc:Choice>
-    <mc:Fallback xmlns="">
-      <p:transition/>
+    <mc:Fallback>
+      <p:transition>
+        <p:fade/>
+      </p:transition>
     </mc:Fallback>
   </mc:AlternateContent>
 </p:sld>
@@ -14739,12 +14892,16 @@
   <p:clrMapOvr>
     <a:masterClrMapping/>
   </p:clrMapOvr>
-  <mc:AlternateContent xmlns:mc="http://schemas.openxmlformats.org/markup-compatibility/2006" xmlns:p14="http://schemas.microsoft.com/office/powerpoint/2010/main">
-    <mc:Choice Requires="p14">
-      <p:transition p14:dur="0"/>
+  <mc:AlternateContent xmlns:mc="http://schemas.openxmlformats.org/markup-compatibility/2006">
+    <mc:Choice xmlns:p14="http://schemas.microsoft.com/office/powerpoint/2010/main" Requires="p14">
+      <p:transition p14:dur="300">
+        <p:fade/>
+      </p:transition>
     </mc:Choice>
-    <mc:Fallback xmlns="">
-      <p:transition/>
+    <mc:Fallback>
+      <p:transition>
+        <p:fade/>
+      </p:transition>
     </mc:Fallback>
   </mc:AlternateContent>
 </p:sld>
@@ -14869,12 +15026,16 @@
   <p:clrMapOvr>
     <a:masterClrMapping/>
   </p:clrMapOvr>
-  <mc:AlternateContent xmlns:mc="http://schemas.openxmlformats.org/markup-compatibility/2006" xmlns:p14="http://schemas.microsoft.com/office/powerpoint/2010/main">
-    <mc:Choice Requires="p14">
-      <p:transition p14:dur="0"/>
+  <mc:AlternateContent xmlns:mc="http://schemas.openxmlformats.org/markup-compatibility/2006">
+    <mc:Choice xmlns:p14="http://schemas.microsoft.com/office/powerpoint/2010/main" Requires="p14">
+      <p:transition p14:dur="300">
+        <p:fade/>
+      </p:transition>
     </mc:Choice>
-    <mc:Fallback xmlns="">
-      <p:transition/>
+    <mc:Fallback>
+      <p:transition>
+        <p:fade/>
+      </p:transition>
     </mc:Fallback>
   </mc:AlternateContent>
 </p:sld>
@@ -14986,12 +15147,16 @@
   <p:clrMapOvr>
     <a:masterClrMapping/>
   </p:clrMapOvr>
-  <mc:AlternateContent xmlns:mc="http://schemas.openxmlformats.org/markup-compatibility/2006" xmlns:p14="http://schemas.microsoft.com/office/powerpoint/2010/main">
-    <mc:Choice Requires="p14">
-      <p:transition p14:dur="0"/>
+  <mc:AlternateContent xmlns:mc="http://schemas.openxmlformats.org/markup-compatibility/2006">
+    <mc:Choice xmlns:p14="http://schemas.microsoft.com/office/powerpoint/2010/main" Requires="p14">
+      <p:transition p14:dur="300">
+        <p:fade/>
+      </p:transition>
     </mc:Choice>
-    <mc:Fallback xmlns="">
-      <p:transition/>
+    <mc:Fallback>
+      <p:transition>
+        <p:fade/>
+      </p:transition>
     </mc:Fallback>
   </mc:AlternateContent>
 </p:sld>
@@ -15120,12 +15285,16 @@
   <p:clrMapOvr>
     <a:masterClrMapping/>
   </p:clrMapOvr>
-  <mc:AlternateContent xmlns:mc="http://schemas.openxmlformats.org/markup-compatibility/2006" xmlns:p14="http://schemas.microsoft.com/office/powerpoint/2010/main">
-    <mc:Choice Requires="p14">
-      <p:transition p14:dur="0"/>
+  <mc:AlternateContent xmlns:mc="http://schemas.openxmlformats.org/markup-compatibility/2006">
+    <mc:Choice xmlns:p14="http://schemas.microsoft.com/office/powerpoint/2010/main" Requires="p14">
+      <p:transition p14:dur="300">
+        <p:fade/>
+      </p:transition>
     </mc:Choice>
-    <mc:Fallback xmlns="">
-      <p:transition/>
+    <mc:Fallback>
+      <p:transition>
+        <p:fade/>
+      </p:transition>
     </mc:Fallback>
   </mc:AlternateContent>
 </p:sld>
@@ -15262,12 +15431,16 @@
   <p:clrMapOvr>
     <a:masterClrMapping/>
   </p:clrMapOvr>
-  <mc:AlternateContent xmlns:mc="http://schemas.openxmlformats.org/markup-compatibility/2006" xmlns:p14="http://schemas.microsoft.com/office/powerpoint/2010/main">
-    <mc:Choice Requires="p14">
-      <p:transition p14:dur="0"/>
+  <mc:AlternateContent xmlns:mc="http://schemas.openxmlformats.org/markup-compatibility/2006">
+    <mc:Choice xmlns:p14="http://schemas.microsoft.com/office/powerpoint/2010/main" Requires="p14">
+      <p:transition p14:dur="300">
+        <p:fade/>
+      </p:transition>
     </mc:Choice>
-    <mc:Fallback xmlns="">
-      <p:transition/>
+    <mc:Fallback>
+      <p:transition>
+        <p:fade/>
+      </p:transition>
     </mc:Fallback>
   </mc:AlternateContent>
 </p:sld>
@@ -15392,12 +15565,16 @@
   <p:clrMapOvr>
     <a:masterClrMapping/>
   </p:clrMapOvr>
-  <mc:AlternateContent xmlns:mc="http://schemas.openxmlformats.org/markup-compatibility/2006" xmlns:p14="http://schemas.microsoft.com/office/powerpoint/2010/main">
-    <mc:Choice Requires="p14">
-      <p:transition p14:dur="0"/>
+  <mc:AlternateContent xmlns:mc="http://schemas.openxmlformats.org/markup-compatibility/2006">
+    <mc:Choice xmlns:p14="http://schemas.microsoft.com/office/powerpoint/2010/main" Requires="p14">
+      <p:transition p14:dur="300">
+        <p:fade/>
+      </p:transition>
     </mc:Choice>
-    <mc:Fallback xmlns="">
-      <p:transition/>
+    <mc:Fallback>
+      <p:transition>
+        <p:fade/>
+      </p:transition>
     </mc:Fallback>
   </mc:AlternateContent>
 </p:sld>
@@ -15521,12 +15698,16 @@
   <p:clrMapOvr>
     <a:masterClrMapping/>
   </p:clrMapOvr>
-  <mc:AlternateContent xmlns:mc="http://schemas.openxmlformats.org/markup-compatibility/2006" xmlns:p14="http://schemas.microsoft.com/office/powerpoint/2010/main">
-    <mc:Choice Requires="p14">
-      <p:transition p14:dur="0"/>
+  <mc:AlternateContent xmlns:mc="http://schemas.openxmlformats.org/markup-compatibility/2006">
+    <mc:Choice xmlns:p14="http://schemas.microsoft.com/office/powerpoint/2010/main" Requires="p14">
+      <p:transition p14:dur="300">
+        <p:fade/>
+      </p:transition>
     </mc:Choice>
-    <mc:Fallback xmlns="">
-      <p:transition/>
+    <mc:Fallback>
+      <p:transition>
+        <p:fade/>
+      </p:transition>
     </mc:Fallback>
   </mc:AlternateContent>
 </p:sld>
@@ -15623,15 +15804,7 @@
             <a:pPr marL="342900" indent="-342900"/>
             <a:r>
               <a:rPr lang="en-US" altLang="en-US" dirty="0"/>
-              <a:t>In the Name of </a:t>
-            </a:r>
-            <a:r>
-              <a:rPr lang="en-US" altLang="en-US" dirty="0" err="1"/>
-              <a:t>Alláh</a:t>
-            </a:r>
-            <a:r>
-              <a:rPr lang="en-US" altLang="en-US" dirty="0"/>
-              <a:t>, </a:t>
+              <a:t>In the Name of Allah, </a:t>
             </a:r>
           </a:p>
           <a:p>
@@ -15648,12 +15821,16 @@
   <p:clrMapOvr>
     <a:masterClrMapping/>
   </p:clrMapOvr>
-  <mc:AlternateContent xmlns:mc="http://schemas.openxmlformats.org/markup-compatibility/2006" xmlns:p14="http://schemas.microsoft.com/office/powerpoint/2010/main">
-    <mc:Choice Requires="p14">
-      <p:transition p14:dur="0"/>
+  <mc:AlternateContent xmlns:mc="http://schemas.openxmlformats.org/markup-compatibility/2006">
+    <mc:Choice xmlns:p14="http://schemas.microsoft.com/office/powerpoint/2010/main" Requires="p14">
+      <p:transition p14:dur="300">
+        <p:fade/>
+      </p:transition>
     </mc:Choice>
-    <mc:Fallback xmlns="">
-      <p:transition/>
+    <mc:Fallback>
+      <p:transition>
+        <p:fade/>
+      </p:transition>
     </mc:Fallback>
   </mc:AlternateContent>
 </p:sld>
@@ -15764,12 +15941,16 @@
   <p:clrMapOvr>
     <a:masterClrMapping/>
   </p:clrMapOvr>
-  <mc:AlternateContent xmlns:mc="http://schemas.openxmlformats.org/markup-compatibility/2006" xmlns:p14="http://schemas.microsoft.com/office/powerpoint/2010/main">
-    <mc:Choice Requires="p14">
-      <p:transition p14:dur="0"/>
+  <mc:AlternateContent xmlns:mc="http://schemas.openxmlformats.org/markup-compatibility/2006">
+    <mc:Choice xmlns:p14="http://schemas.microsoft.com/office/powerpoint/2010/main" Requires="p14">
+      <p:transition p14:dur="300">
+        <p:fade/>
+      </p:transition>
     </mc:Choice>
-    <mc:Fallback xmlns="">
-      <p:transition/>
+    <mc:Fallback>
+      <p:transition>
+        <p:fade/>
+      </p:transition>
     </mc:Fallback>
   </mc:AlternateContent>
 </p:sld>
@@ -15881,12 +16062,16 @@
   <p:clrMapOvr>
     <a:masterClrMapping/>
   </p:clrMapOvr>
-  <mc:AlternateContent xmlns:mc="http://schemas.openxmlformats.org/markup-compatibility/2006" xmlns:p14="http://schemas.microsoft.com/office/powerpoint/2010/main">
-    <mc:Choice Requires="p14">
-      <p:transition p14:dur="0"/>
+  <mc:AlternateContent xmlns:mc="http://schemas.openxmlformats.org/markup-compatibility/2006">
+    <mc:Choice xmlns:p14="http://schemas.microsoft.com/office/powerpoint/2010/main" Requires="p14">
+      <p:transition p14:dur="300">
+        <p:fade/>
+      </p:transition>
     </mc:Choice>
-    <mc:Fallback xmlns="">
-      <p:transition/>
+    <mc:Fallback>
+      <p:transition>
+        <p:fade/>
+      </p:transition>
     </mc:Fallback>
   </mc:AlternateContent>
 </p:sld>
@@ -15998,12 +16183,16 @@
   <p:clrMapOvr>
     <a:masterClrMapping/>
   </p:clrMapOvr>
-  <mc:AlternateContent xmlns:mc="http://schemas.openxmlformats.org/markup-compatibility/2006" xmlns:p14="http://schemas.microsoft.com/office/powerpoint/2010/main">
-    <mc:Choice Requires="p14">
-      <p:transition p14:dur="0"/>
+  <mc:AlternateContent xmlns:mc="http://schemas.openxmlformats.org/markup-compatibility/2006">
+    <mc:Choice xmlns:p14="http://schemas.microsoft.com/office/powerpoint/2010/main" Requires="p14">
+      <p:transition p14:dur="300">
+        <p:fade/>
+      </p:transition>
     </mc:Choice>
-    <mc:Fallback xmlns="">
-      <p:transition/>
+    <mc:Fallback>
+      <p:transition>
+        <p:fade/>
+      </p:transition>
     </mc:Fallback>
   </mc:AlternateContent>
 </p:sld>
@@ -16115,12 +16304,16 @@
   <p:clrMapOvr>
     <a:masterClrMapping/>
   </p:clrMapOvr>
-  <mc:AlternateContent xmlns:mc="http://schemas.openxmlformats.org/markup-compatibility/2006" xmlns:p14="http://schemas.microsoft.com/office/powerpoint/2010/main">
-    <mc:Choice Requires="p14">
-      <p:transition p14:dur="0"/>
+  <mc:AlternateContent xmlns:mc="http://schemas.openxmlformats.org/markup-compatibility/2006">
+    <mc:Choice xmlns:p14="http://schemas.microsoft.com/office/powerpoint/2010/main" Requires="p14">
+      <p:transition p14:dur="300">
+        <p:fade/>
+      </p:transition>
     </mc:Choice>
-    <mc:Fallback xmlns="">
-      <p:transition/>
+    <mc:Fallback>
+      <p:transition>
+        <p:fade/>
+      </p:transition>
     </mc:Fallback>
   </mc:AlternateContent>
 </p:sld>
@@ -16250,12 +16443,16 @@
   <p:clrMapOvr>
     <a:masterClrMapping/>
   </p:clrMapOvr>
-  <mc:AlternateContent xmlns:mc="http://schemas.openxmlformats.org/markup-compatibility/2006" xmlns:p14="http://schemas.microsoft.com/office/powerpoint/2010/main">
-    <mc:Choice Requires="p14">
-      <p:transition p14:dur="0"/>
+  <mc:AlternateContent xmlns:mc="http://schemas.openxmlformats.org/markup-compatibility/2006">
+    <mc:Choice xmlns:p14="http://schemas.microsoft.com/office/powerpoint/2010/main" Requires="p14">
+      <p:transition p14:dur="300">
+        <p:fade/>
+      </p:transition>
     </mc:Choice>
-    <mc:Fallback xmlns="">
-      <p:transition/>
+    <mc:Fallback>
+      <p:transition>
+        <p:fade/>
+      </p:transition>
     </mc:Fallback>
   </mc:AlternateContent>
 </p:sld>
@@ -16412,12 +16609,16 @@
   <p:clrMapOvr>
     <a:masterClrMapping/>
   </p:clrMapOvr>
-  <mc:AlternateContent xmlns:mc="http://schemas.openxmlformats.org/markup-compatibility/2006" xmlns:p14="http://schemas.microsoft.com/office/powerpoint/2010/main">
-    <mc:Choice Requires="p14">
-      <p:transition p14:dur="0"/>
+  <mc:AlternateContent xmlns:mc="http://schemas.openxmlformats.org/markup-compatibility/2006">
+    <mc:Choice xmlns:p14="http://schemas.microsoft.com/office/powerpoint/2010/main" Requires="p14">
+      <p:transition p14:dur="300">
+        <p:fade/>
+      </p:transition>
     </mc:Choice>
-    <mc:Fallback xmlns="">
-      <p:transition/>
+    <mc:Fallback>
+      <p:transition>
+        <p:fade/>
+      </p:transition>
     </mc:Fallback>
   </mc:AlternateContent>
 </p:sld>
@@ -16542,12 +16743,16 @@
   <p:clrMapOvr>
     <a:masterClrMapping/>
   </p:clrMapOvr>
-  <mc:AlternateContent xmlns:mc="http://schemas.openxmlformats.org/markup-compatibility/2006" xmlns:p14="http://schemas.microsoft.com/office/powerpoint/2010/main">
-    <mc:Choice Requires="p14">
-      <p:transition p14:dur="0"/>
+  <mc:AlternateContent xmlns:mc="http://schemas.openxmlformats.org/markup-compatibility/2006">
+    <mc:Choice xmlns:p14="http://schemas.microsoft.com/office/powerpoint/2010/main" Requires="p14">
+      <p:transition p14:dur="300">
+        <p:fade/>
+      </p:transition>
     </mc:Choice>
-    <mc:Fallback xmlns="">
-      <p:transition/>
+    <mc:Fallback>
+      <p:transition>
+        <p:fade/>
+      </p:transition>
     </mc:Fallback>
   </mc:AlternateContent>
 </p:sld>
@@ -16666,12 +16871,16 @@
   <p:clrMapOvr>
     <a:masterClrMapping/>
   </p:clrMapOvr>
-  <mc:AlternateContent xmlns:mc="http://schemas.openxmlformats.org/markup-compatibility/2006" xmlns:p14="http://schemas.microsoft.com/office/powerpoint/2010/main">
-    <mc:Choice Requires="p14">
-      <p:transition p14:dur="0"/>
+  <mc:AlternateContent xmlns:mc="http://schemas.openxmlformats.org/markup-compatibility/2006">
+    <mc:Choice xmlns:p14="http://schemas.microsoft.com/office/powerpoint/2010/main" Requires="p14">
+      <p:transition p14:dur="300">
+        <p:fade/>
+      </p:transition>
     </mc:Choice>
-    <mc:Fallback xmlns="">
-      <p:transition/>
+    <mc:Fallback>
+      <p:transition>
+        <p:fade/>
+      </p:transition>
     </mc:Fallback>
   </mc:AlternateContent>
 </p:sld>
@@ -16782,12 +16991,16 @@
   <p:clrMapOvr>
     <a:masterClrMapping/>
   </p:clrMapOvr>
-  <mc:AlternateContent xmlns:mc="http://schemas.openxmlformats.org/markup-compatibility/2006" xmlns:p14="http://schemas.microsoft.com/office/powerpoint/2010/main">
-    <mc:Choice Requires="p14">
-      <p:transition p14:dur="0"/>
+  <mc:AlternateContent xmlns:mc="http://schemas.openxmlformats.org/markup-compatibility/2006">
+    <mc:Choice xmlns:p14="http://schemas.microsoft.com/office/powerpoint/2010/main" Requires="p14">
+      <p:transition p14:dur="300">
+        <p:fade/>
+      </p:transition>
     </mc:Choice>
-    <mc:Fallback xmlns="">
-      <p:transition/>
+    <mc:Fallback>
+      <p:transition>
+        <p:fade/>
+      </p:transition>
     </mc:Fallback>
   </mc:AlternateContent>
 </p:sld>
@@ -16899,12 +17112,16 @@
   <p:clrMapOvr>
     <a:masterClrMapping/>
   </p:clrMapOvr>
-  <mc:AlternateContent xmlns:mc="http://schemas.openxmlformats.org/markup-compatibility/2006" xmlns:p14="http://schemas.microsoft.com/office/powerpoint/2010/main">
-    <mc:Choice Requires="p14">
-      <p:transition p14:dur="0"/>
+  <mc:AlternateContent xmlns:mc="http://schemas.openxmlformats.org/markup-compatibility/2006">
+    <mc:Choice xmlns:p14="http://schemas.microsoft.com/office/powerpoint/2010/main" Requires="p14">
+      <p:transition p14:dur="300">
+        <p:fade/>
+      </p:transition>
     </mc:Choice>
-    <mc:Fallback xmlns="">
-      <p:transition/>
+    <mc:Fallback>
+      <p:transition>
+        <p:fade/>
+      </p:transition>
     </mc:Fallback>
   </mc:AlternateContent>
 </p:sld>
@@ -17011,12 +17228,16 @@
   <p:clrMapOvr>
     <a:masterClrMapping/>
   </p:clrMapOvr>
-  <mc:AlternateContent xmlns:mc="http://schemas.openxmlformats.org/markup-compatibility/2006" xmlns:p14="http://schemas.microsoft.com/office/powerpoint/2010/main">
-    <mc:Choice Requires="p14">
-      <p:transition p14:dur="0"/>
+  <mc:AlternateContent xmlns:mc="http://schemas.openxmlformats.org/markup-compatibility/2006">
+    <mc:Choice xmlns:p14="http://schemas.microsoft.com/office/powerpoint/2010/main" Requires="p14">
+      <p:transition p14:dur="300">
+        <p:fade/>
+      </p:transition>
     </mc:Choice>
-    <mc:Fallback xmlns="">
-      <p:transition/>
+    <mc:Fallback>
+      <p:transition>
+        <p:fade/>
+      </p:transition>
     </mc:Fallback>
   </mc:AlternateContent>
 </p:sld>
@@ -17128,12 +17349,16 @@
   <p:clrMapOvr>
     <a:masterClrMapping/>
   </p:clrMapOvr>
-  <mc:AlternateContent xmlns:mc="http://schemas.openxmlformats.org/markup-compatibility/2006" xmlns:p14="http://schemas.microsoft.com/office/powerpoint/2010/main">
-    <mc:Choice Requires="p14">
-      <p:transition p14:dur="0"/>
+  <mc:AlternateContent xmlns:mc="http://schemas.openxmlformats.org/markup-compatibility/2006">
+    <mc:Choice xmlns:p14="http://schemas.microsoft.com/office/powerpoint/2010/main" Requires="p14">
+      <p:transition p14:dur="300">
+        <p:fade/>
+      </p:transition>
     </mc:Choice>
-    <mc:Fallback xmlns="">
-      <p:transition/>
+    <mc:Fallback>
+      <p:transition>
+        <p:fade/>
+      </p:transition>
     </mc:Fallback>
   </mc:AlternateContent>
 </p:sld>
@@ -17245,12 +17470,16 @@
   <p:clrMapOvr>
     <a:masterClrMapping/>
   </p:clrMapOvr>
-  <mc:AlternateContent xmlns:mc="http://schemas.openxmlformats.org/markup-compatibility/2006" xmlns:p14="http://schemas.microsoft.com/office/powerpoint/2010/main">
-    <mc:Choice Requires="p14">
-      <p:transition p14:dur="0"/>
+  <mc:AlternateContent xmlns:mc="http://schemas.openxmlformats.org/markup-compatibility/2006">
+    <mc:Choice xmlns:p14="http://schemas.microsoft.com/office/powerpoint/2010/main" Requires="p14">
+      <p:transition p14:dur="300">
+        <p:fade/>
+      </p:transition>
     </mc:Choice>
-    <mc:Fallback xmlns="">
-      <p:transition/>
+    <mc:Fallback>
+      <p:transition>
+        <p:fade/>
+      </p:transition>
     </mc:Fallback>
   </mc:AlternateContent>
 </p:sld>
@@ -17380,12 +17609,16 @@
   <p:clrMapOvr>
     <a:masterClrMapping/>
   </p:clrMapOvr>
-  <mc:AlternateContent xmlns:mc="http://schemas.openxmlformats.org/markup-compatibility/2006" xmlns:p14="http://schemas.microsoft.com/office/powerpoint/2010/main">
-    <mc:Choice Requires="p14">
-      <p:transition p14:dur="0"/>
+  <mc:AlternateContent xmlns:mc="http://schemas.openxmlformats.org/markup-compatibility/2006">
+    <mc:Choice xmlns:p14="http://schemas.microsoft.com/office/powerpoint/2010/main" Requires="p14">
+      <p:transition p14:dur="300">
+        <p:fade/>
+      </p:transition>
     </mc:Choice>
-    <mc:Fallback xmlns="">
-      <p:transition/>
+    <mc:Fallback>
+      <p:transition>
+        <p:fade/>
+      </p:transition>
     </mc:Fallback>
   </mc:AlternateContent>
 </p:sld>
@@ -17534,12 +17767,16 @@
   <p:clrMapOvr>
     <a:masterClrMapping/>
   </p:clrMapOvr>
-  <mc:AlternateContent xmlns:mc="http://schemas.openxmlformats.org/markup-compatibility/2006" xmlns:p14="http://schemas.microsoft.com/office/powerpoint/2010/main">
-    <mc:Choice Requires="p14">
-      <p:transition p14:dur="0"/>
+  <mc:AlternateContent xmlns:mc="http://schemas.openxmlformats.org/markup-compatibility/2006">
+    <mc:Choice xmlns:p14="http://schemas.microsoft.com/office/powerpoint/2010/main" Requires="p14">
+      <p:transition p14:dur="300">
+        <p:fade/>
+      </p:transition>
     </mc:Choice>
-    <mc:Fallback xmlns="">
-      <p:transition/>
+    <mc:Fallback>
+      <p:transition>
+        <p:fade/>
+      </p:transition>
     </mc:Fallback>
   </mc:AlternateContent>
 </p:sld>
@@ -17664,12 +17901,16 @@
   <p:clrMapOvr>
     <a:masterClrMapping/>
   </p:clrMapOvr>
-  <mc:AlternateContent xmlns:mc="http://schemas.openxmlformats.org/markup-compatibility/2006" xmlns:p14="http://schemas.microsoft.com/office/powerpoint/2010/main">
-    <mc:Choice Requires="p14">
-      <p:transition p14:dur="0"/>
+  <mc:AlternateContent xmlns:mc="http://schemas.openxmlformats.org/markup-compatibility/2006">
+    <mc:Choice xmlns:p14="http://schemas.microsoft.com/office/powerpoint/2010/main" Requires="p14">
+      <p:transition p14:dur="300">
+        <p:fade/>
+      </p:transition>
     </mc:Choice>
-    <mc:Fallback xmlns="">
-      <p:transition/>
+    <mc:Fallback>
+      <p:transition>
+        <p:fade/>
+      </p:transition>
     </mc:Fallback>
   </mc:AlternateContent>
 </p:sld>
@@ -17788,12 +18029,16 @@
   <p:clrMapOvr>
     <a:masterClrMapping/>
   </p:clrMapOvr>
-  <mc:AlternateContent xmlns:mc="http://schemas.openxmlformats.org/markup-compatibility/2006" xmlns:p14="http://schemas.microsoft.com/office/powerpoint/2010/main">
-    <mc:Choice Requires="p14">
-      <p:transition p14:dur="0"/>
+  <mc:AlternateContent xmlns:mc="http://schemas.openxmlformats.org/markup-compatibility/2006">
+    <mc:Choice xmlns:p14="http://schemas.microsoft.com/office/powerpoint/2010/main" Requires="p14">
+      <p:transition p14:dur="300">
+        <p:fade/>
+      </p:transition>
     </mc:Choice>
-    <mc:Fallback xmlns="">
-      <p:transition/>
+    <mc:Fallback>
+      <p:transition>
+        <p:fade/>
+      </p:transition>
     </mc:Fallback>
   </mc:AlternateContent>
 </p:sld>
@@ -17904,12 +18149,16 @@
   <p:clrMapOvr>
     <a:masterClrMapping/>
   </p:clrMapOvr>
-  <mc:AlternateContent xmlns:mc="http://schemas.openxmlformats.org/markup-compatibility/2006" xmlns:p14="http://schemas.microsoft.com/office/powerpoint/2010/main">
-    <mc:Choice Requires="p14">
-      <p:transition p14:dur="0"/>
+  <mc:AlternateContent xmlns:mc="http://schemas.openxmlformats.org/markup-compatibility/2006">
+    <mc:Choice xmlns:p14="http://schemas.microsoft.com/office/powerpoint/2010/main" Requires="p14">
+      <p:transition p14:dur="300">
+        <p:fade/>
+      </p:transition>
     </mc:Choice>
-    <mc:Fallback xmlns="">
-      <p:transition/>
+    <mc:Fallback>
+      <p:transition>
+        <p:fade/>
+      </p:transition>
     </mc:Fallback>
   </mc:AlternateContent>
 </p:sld>
@@ -18021,12 +18270,16 @@
   <p:clrMapOvr>
     <a:masterClrMapping/>
   </p:clrMapOvr>
-  <mc:AlternateContent xmlns:mc="http://schemas.openxmlformats.org/markup-compatibility/2006" xmlns:p14="http://schemas.microsoft.com/office/powerpoint/2010/main">
-    <mc:Choice Requires="p14">
-      <p:transition p14:dur="0"/>
+  <mc:AlternateContent xmlns:mc="http://schemas.openxmlformats.org/markup-compatibility/2006">
+    <mc:Choice xmlns:p14="http://schemas.microsoft.com/office/powerpoint/2010/main" Requires="p14">
+      <p:transition p14:dur="300">
+        <p:fade/>
+      </p:transition>
     </mc:Choice>
-    <mc:Fallback xmlns="">
-      <p:transition/>
+    <mc:Fallback>
+      <p:transition>
+        <p:fade/>
+      </p:transition>
     </mc:Fallback>
   </mc:AlternateContent>
 </p:sld>
@@ -18138,12 +18391,16 @@
   <p:clrMapOvr>
     <a:masterClrMapping/>
   </p:clrMapOvr>
-  <mc:AlternateContent xmlns:mc="http://schemas.openxmlformats.org/markup-compatibility/2006" xmlns:p14="http://schemas.microsoft.com/office/powerpoint/2010/main">
-    <mc:Choice Requires="p14">
-      <p:transition p14:dur="0"/>
+  <mc:AlternateContent xmlns:mc="http://schemas.openxmlformats.org/markup-compatibility/2006">
+    <mc:Choice xmlns:p14="http://schemas.microsoft.com/office/powerpoint/2010/main" Requires="p14">
+      <p:transition p14:dur="300">
+        <p:fade/>
+      </p:transition>
     </mc:Choice>
-    <mc:Fallback xmlns="">
-      <p:transition/>
+    <mc:Fallback>
+      <p:transition>
+        <p:fade/>
+      </p:transition>
     </mc:Fallback>
   </mc:AlternateContent>
 </p:sld>
@@ -18255,12 +18512,16 @@
   <p:clrMapOvr>
     <a:masterClrMapping/>
   </p:clrMapOvr>
-  <mc:AlternateContent xmlns:mc="http://schemas.openxmlformats.org/markup-compatibility/2006" xmlns:p14="http://schemas.microsoft.com/office/powerpoint/2010/main">
-    <mc:Choice Requires="p14">
-      <p:transition p14:dur="0"/>
+  <mc:AlternateContent xmlns:mc="http://schemas.openxmlformats.org/markup-compatibility/2006">
+    <mc:Choice xmlns:p14="http://schemas.microsoft.com/office/powerpoint/2010/main" Requires="p14">
+      <p:transition p14:dur="300">
+        <p:fade/>
+      </p:transition>
     </mc:Choice>
-    <mc:Fallback xmlns="">
-      <p:transition/>
+    <mc:Fallback>
+      <p:transition>
+        <p:fade/>
+      </p:transition>
     </mc:Fallback>
   </mc:AlternateContent>
 </p:sld>
@@ -18372,12 +18633,16 @@
   <p:clrMapOvr>
     <a:masterClrMapping/>
   </p:clrMapOvr>
-  <mc:AlternateContent xmlns:mc="http://schemas.openxmlformats.org/markup-compatibility/2006" xmlns:p14="http://schemas.microsoft.com/office/powerpoint/2010/main">
-    <mc:Choice Requires="p14">
-      <p:transition p14:dur="0"/>
+  <mc:AlternateContent xmlns:mc="http://schemas.openxmlformats.org/markup-compatibility/2006">
+    <mc:Choice xmlns:p14="http://schemas.microsoft.com/office/powerpoint/2010/main" Requires="p14">
+      <p:transition p14:dur="300">
+        <p:fade/>
+      </p:transition>
     </mc:Choice>
-    <mc:Fallback xmlns="">
-      <p:transition/>
+    <mc:Fallback>
+      <p:transition>
+        <p:fade/>
+      </p:transition>
     </mc:Fallback>
   </mc:AlternateContent>
 </p:sld>
@@ -18507,12 +18772,16 @@
   <p:clrMapOvr>
     <a:masterClrMapping/>
   </p:clrMapOvr>
-  <mc:AlternateContent xmlns:mc="http://schemas.openxmlformats.org/markup-compatibility/2006" xmlns:p14="http://schemas.microsoft.com/office/powerpoint/2010/main">
-    <mc:Choice Requires="p14">
-      <p:transition p14:dur="0"/>
+  <mc:AlternateContent xmlns:mc="http://schemas.openxmlformats.org/markup-compatibility/2006">
+    <mc:Choice xmlns:p14="http://schemas.microsoft.com/office/powerpoint/2010/main" Requires="p14">
+      <p:transition p14:dur="300">
+        <p:fade/>
+      </p:transition>
     </mc:Choice>
-    <mc:Fallback xmlns="">
-      <p:transition/>
+    <mc:Fallback>
+      <p:transition>
+        <p:fade/>
+      </p:transition>
     </mc:Fallback>
   </mc:AlternateContent>
 </p:sld>
@@ -18657,12 +18926,16 @@
   <p:clrMapOvr>
     <a:masterClrMapping/>
   </p:clrMapOvr>
-  <mc:AlternateContent xmlns:mc="http://schemas.openxmlformats.org/markup-compatibility/2006" xmlns:p14="http://schemas.microsoft.com/office/powerpoint/2010/main">
-    <mc:Choice Requires="p14">
-      <p:transition p14:dur="0"/>
+  <mc:AlternateContent xmlns:mc="http://schemas.openxmlformats.org/markup-compatibility/2006">
+    <mc:Choice xmlns:p14="http://schemas.microsoft.com/office/powerpoint/2010/main" Requires="p14">
+      <p:transition p14:dur="300">
+        <p:fade/>
+      </p:transition>
     </mc:Choice>
-    <mc:Fallback xmlns="">
-      <p:transition/>
+    <mc:Fallback>
+      <p:transition>
+        <p:fade/>
+      </p:transition>
     </mc:Fallback>
   </mc:AlternateContent>
 </p:sld>
@@ -18787,12 +19060,16 @@
   <p:clrMapOvr>
     <a:masterClrMapping/>
   </p:clrMapOvr>
-  <mc:AlternateContent xmlns:mc="http://schemas.openxmlformats.org/markup-compatibility/2006" xmlns:p14="http://schemas.microsoft.com/office/powerpoint/2010/main">
-    <mc:Choice Requires="p14">
-      <p:transition p14:dur="0"/>
+  <mc:AlternateContent xmlns:mc="http://schemas.openxmlformats.org/markup-compatibility/2006">
+    <mc:Choice xmlns:p14="http://schemas.microsoft.com/office/powerpoint/2010/main" Requires="p14">
+      <p:transition p14:dur="300">
+        <p:fade/>
+      </p:transition>
     </mc:Choice>
-    <mc:Fallback xmlns="">
-      <p:transition/>
+    <mc:Fallback>
+      <p:transition>
+        <p:fade/>
+      </p:transition>
     </mc:Fallback>
   </mc:AlternateContent>
 </p:sld>
@@ -18911,12 +19188,16 @@
   <p:clrMapOvr>
     <a:masterClrMapping/>
   </p:clrMapOvr>
-  <mc:AlternateContent xmlns:mc="http://schemas.openxmlformats.org/markup-compatibility/2006" xmlns:p14="http://schemas.microsoft.com/office/powerpoint/2010/main">
-    <mc:Choice Requires="p14">
-      <p:transition p14:dur="0"/>
+  <mc:AlternateContent xmlns:mc="http://schemas.openxmlformats.org/markup-compatibility/2006">
+    <mc:Choice xmlns:p14="http://schemas.microsoft.com/office/powerpoint/2010/main" Requires="p14">
+      <p:transition p14:dur="300">
+        <p:fade/>
+      </p:transition>
     </mc:Choice>
-    <mc:Fallback xmlns="">
-      <p:transition/>
+    <mc:Fallback>
+      <p:transition>
+        <p:fade/>
+      </p:transition>
     </mc:Fallback>
   </mc:AlternateContent>
 </p:sld>
@@ -19027,12 +19308,16 @@
   <p:clrMapOvr>
     <a:masterClrMapping/>
   </p:clrMapOvr>
-  <mc:AlternateContent xmlns:mc="http://schemas.openxmlformats.org/markup-compatibility/2006" xmlns:p14="http://schemas.microsoft.com/office/powerpoint/2010/main">
-    <mc:Choice Requires="p14">
-      <p:transition p14:dur="0"/>
+  <mc:AlternateContent xmlns:mc="http://schemas.openxmlformats.org/markup-compatibility/2006">
+    <mc:Choice xmlns:p14="http://schemas.microsoft.com/office/powerpoint/2010/main" Requires="p14">
+      <p:transition p14:dur="300">
+        <p:fade/>
+      </p:transition>
     </mc:Choice>
-    <mc:Fallback xmlns="">
-      <p:transition/>
+    <mc:Fallback>
+      <p:transition>
+        <p:fade/>
+      </p:transition>
     </mc:Fallback>
   </mc:AlternateContent>
 </p:sld>
@@ -19144,12 +19429,16 @@
   <p:clrMapOvr>
     <a:masterClrMapping/>
   </p:clrMapOvr>
-  <mc:AlternateContent xmlns:mc="http://schemas.openxmlformats.org/markup-compatibility/2006" xmlns:p14="http://schemas.microsoft.com/office/powerpoint/2010/main">
-    <mc:Choice Requires="p14">
-      <p:transition p14:dur="0"/>
+  <mc:AlternateContent xmlns:mc="http://schemas.openxmlformats.org/markup-compatibility/2006">
+    <mc:Choice xmlns:p14="http://schemas.microsoft.com/office/powerpoint/2010/main" Requires="p14">
+      <p:transition p14:dur="300">
+        <p:fade/>
+      </p:transition>
     </mc:Choice>
-    <mc:Fallback xmlns="">
-      <p:transition/>
+    <mc:Fallback>
+      <p:transition>
+        <p:fade/>
+      </p:transition>
     </mc:Fallback>
   </mc:AlternateContent>
 </p:sld>
@@ -19261,12 +19550,16 @@
   <p:clrMapOvr>
     <a:masterClrMapping/>
   </p:clrMapOvr>
-  <mc:AlternateContent xmlns:mc="http://schemas.openxmlformats.org/markup-compatibility/2006" xmlns:p14="http://schemas.microsoft.com/office/powerpoint/2010/main">
-    <mc:Choice Requires="p14">
-      <p:transition p14:dur="0"/>
+  <mc:AlternateContent xmlns:mc="http://schemas.openxmlformats.org/markup-compatibility/2006">
+    <mc:Choice xmlns:p14="http://schemas.microsoft.com/office/powerpoint/2010/main" Requires="p14">
+      <p:transition p14:dur="300">
+        <p:fade/>
+      </p:transition>
     </mc:Choice>
-    <mc:Fallback xmlns="">
-      <p:transition/>
+    <mc:Fallback>
+      <p:transition>
+        <p:fade/>
+      </p:transition>
     </mc:Fallback>
   </mc:AlternateContent>
 </p:sld>
@@ -19378,12 +19671,16 @@
   <p:clrMapOvr>
     <a:masterClrMapping/>
   </p:clrMapOvr>
-  <mc:AlternateContent xmlns:mc="http://schemas.openxmlformats.org/markup-compatibility/2006" xmlns:p14="http://schemas.microsoft.com/office/powerpoint/2010/main">
-    <mc:Choice Requires="p14">
-      <p:transition p14:dur="0"/>
+  <mc:AlternateContent xmlns:mc="http://schemas.openxmlformats.org/markup-compatibility/2006">
+    <mc:Choice xmlns:p14="http://schemas.microsoft.com/office/powerpoint/2010/main" Requires="p14">
+      <p:transition p14:dur="300">
+        <p:fade/>
+      </p:transition>
     </mc:Choice>
-    <mc:Fallback xmlns="">
-      <p:transition/>
+    <mc:Fallback>
+      <p:transition>
+        <p:fade/>
+      </p:transition>
     </mc:Fallback>
   </mc:AlternateContent>
 </p:sld>
@@ -19513,12 +19810,16 @@
   <p:clrMapOvr>
     <a:masterClrMapping/>
   </p:clrMapOvr>
-  <mc:AlternateContent xmlns:mc="http://schemas.openxmlformats.org/markup-compatibility/2006" xmlns:p14="http://schemas.microsoft.com/office/powerpoint/2010/main">
-    <mc:Choice Requires="p14">
-      <p:transition p14:dur="0"/>
+  <mc:AlternateContent xmlns:mc="http://schemas.openxmlformats.org/markup-compatibility/2006">
+    <mc:Choice xmlns:p14="http://schemas.microsoft.com/office/powerpoint/2010/main" Requires="p14">
+      <p:transition p14:dur="300">
+        <p:fade/>
+      </p:transition>
     </mc:Choice>
-    <mc:Fallback xmlns="">
-      <p:transition/>
+    <mc:Fallback>
+      <p:transition>
+        <p:fade/>
+      </p:transition>
     </mc:Fallback>
   </mc:AlternateContent>
 </p:sld>
@@ -19675,12 +19976,16 @@
   <p:clrMapOvr>
     <a:masterClrMapping/>
   </p:clrMapOvr>
-  <mc:AlternateContent xmlns:mc="http://schemas.openxmlformats.org/markup-compatibility/2006" xmlns:p14="http://schemas.microsoft.com/office/powerpoint/2010/main">
-    <mc:Choice Requires="p14">
-      <p:transition p14:dur="0"/>
+  <mc:AlternateContent xmlns:mc="http://schemas.openxmlformats.org/markup-compatibility/2006">
+    <mc:Choice xmlns:p14="http://schemas.microsoft.com/office/powerpoint/2010/main" Requires="p14">
+      <p:transition p14:dur="300">
+        <p:fade/>
+      </p:transition>
     </mc:Choice>
-    <mc:Fallback xmlns="">
-      <p:transition/>
+    <mc:Fallback>
+      <p:transition>
+        <p:fade/>
+      </p:transition>
     </mc:Fallback>
   </mc:AlternateContent>
 </p:sld>
@@ -19796,12 +20101,16 @@
   <p:clrMapOvr>
     <a:masterClrMapping/>
   </p:clrMapOvr>
-  <mc:AlternateContent xmlns:mc="http://schemas.openxmlformats.org/markup-compatibility/2006" xmlns:p14="http://schemas.microsoft.com/office/powerpoint/2010/main">
-    <mc:Choice Requires="p14">
-      <p:transition p14:dur="0"/>
+  <mc:AlternateContent xmlns:mc="http://schemas.openxmlformats.org/markup-compatibility/2006">
+    <mc:Choice xmlns:p14="http://schemas.microsoft.com/office/powerpoint/2010/main" Requires="p14">
+      <p:transition p14:dur="300">
+        <p:fade/>
+      </p:transition>
     </mc:Choice>
-    <mc:Fallback xmlns="">
-      <p:transition/>
+    <mc:Fallback>
+      <p:transition>
+        <p:fade/>
+      </p:transition>
     </mc:Fallback>
   </mc:AlternateContent>
 </p:sld>
@@ -19926,12 +20235,16 @@
   <p:clrMapOvr>
     <a:masterClrMapping/>
   </p:clrMapOvr>
-  <mc:AlternateContent xmlns:mc="http://schemas.openxmlformats.org/markup-compatibility/2006" xmlns:p14="http://schemas.microsoft.com/office/powerpoint/2010/main">
-    <mc:Choice Requires="p14">
-      <p:transition p14:dur="0"/>
+  <mc:AlternateContent xmlns:mc="http://schemas.openxmlformats.org/markup-compatibility/2006">
+    <mc:Choice xmlns:p14="http://schemas.microsoft.com/office/powerpoint/2010/main" Requires="p14">
+      <p:transition p14:dur="300">
+        <p:fade/>
+      </p:transition>
     </mc:Choice>
-    <mc:Fallback xmlns="">
-      <p:transition/>
+    <mc:Fallback>
+      <p:transition>
+        <p:fade/>
+      </p:transition>
     </mc:Fallback>
   </mc:AlternateContent>
 </p:sld>
@@ -20050,12 +20363,16 @@
   <p:clrMapOvr>
     <a:masterClrMapping/>
   </p:clrMapOvr>
-  <mc:AlternateContent xmlns:mc="http://schemas.openxmlformats.org/markup-compatibility/2006" xmlns:p14="http://schemas.microsoft.com/office/powerpoint/2010/main">
-    <mc:Choice Requires="p14">
-      <p:transition p14:dur="0"/>
+  <mc:AlternateContent xmlns:mc="http://schemas.openxmlformats.org/markup-compatibility/2006">
+    <mc:Choice xmlns:p14="http://schemas.microsoft.com/office/powerpoint/2010/main" Requires="p14">
+      <p:transition p14:dur="300">
+        <p:fade/>
+      </p:transition>
     </mc:Choice>
-    <mc:Fallback xmlns="">
-      <p:transition/>
+    <mc:Fallback>
+      <p:transition>
+        <p:fade/>
+      </p:transition>
     </mc:Fallback>
   </mc:AlternateContent>
 </p:sld>
@@ -20166,12 +20483,16 @@
   <p:clrMapOvr>
     <a:masterClrMapping/>
   </p:clrMapOvr>
-  <mc:AlternateContent xmlns:mc="http://schemas.openxmlformats.org/markup-compatibility/2006" xmlns:p14="http://schemas.microsoft.com/office/powerpoint/2010/main">
-    <mc:Choice Requires="p14">
-      <p:transition p14:dur="0"/>
+  <mc:AlternateContent xmlns:mc="http://schemas.openxmlformats.org/markup-compatibility/2006">
+    <mc:Choice xmlns:p14="http://schemas.microsoft.com/office/powerpoint/2010/main" Requires="p14">
+      <p:transition p14:dur="300">
+        <p:fade/>
+      </p:transition>
     </mc:Choice>
-    <mc:Fallback xmlns="">
-      <p:transition/>
+    <mc:Fallback>
+      <p:transition>
+        <p:fade/>
+      </p:transition>
     </mc:Fallback>
   </mc:AlternateContent>
 </p:sld>
@@ -20283,12 +20604,16 @@
   <p:clrMapOvr>
     <a:masterClrMapping/>
   </p:clrMapOvr>
-  <mc:AlternateContent xmlns:mc="http://schemas.openxmlformats.org/markup-compatibility/2006" xmlns:p14="http://schemas.microsoft.com/office/powerpoint/2010/main">
-    <mc:Choice Requires="p14">
-      <p:transition p14:dur="0"/>
+  <mc:AlternateContent xmlns:mc="http://schemas.openxmlformats.org/markup-compatibility/2006">
+    <mc:Choice xmlns:p14="http://schemas.microsoft.com/office/powerpoint/2010/main" Requires="p14">
+      <p:transition p14:dur="300">
+        <p:fade/>
+      </p:transition>
     </mc:Choice>
-    <mc:Fallback xmlns="">
-      <p:transition/>
+    <mc:Fallback>
+      <p:transition>
+        <p:fade/>
+      </p:transition>
     </mc:Fallback>
   </mc:AlternateContent>
 </p:sld>
@@ -20400,12 +20725,16 @@
   <p:clrMapOvr>
     <a:masterClrMapping/>
   </p:clrMapOvr>
-  <mc:AlternateContent xmlns:mc="http://schemas.openxmlformats.org/markup-compatibility/2006" xmlns:p14="http://schemas.microsoft.com/office/powerpoint/2010/main">
-    <mc:Choice Requires="p14">
-      <p:transition p14:dur="0"/>
+  <mc:AlternateContent xmlns:mc="http://schemas.openxmlformats.org/markup-compatibility/2006">
+    <mc:Choice xmlns:p14="http://schemas.microsoft.com/office/powerpoint/2010/main" Requires="p14">
+      <p:transition p14:dur="300">
+        <p:fade/>
+      </p:transition>
     </mc:Choice>
-    <mc:Fallback xmlns="">
-      <p:transition/>
+    <mc:Fallback>
+      <p:transition>
+        <p:fade/>
+      </p:transition>
     </mc:Fallback>
   </mc:AlternateContent>
 </p:sld>
@@ -20517,12 +20846,16 @@
   <p:clrMapOvr>
     <a:masterClrMapping/>
   </p:clrMapOvr>
-  <mc:AlternateContent xmlns:mc="http://schemas.openxmlformats.org/markup-compatibility/2006" xmlns:p14="http://schemas.microsoft.com/office/powerpoint/2010/main">
-    <mc:Choice Requires="p14">
-      <p:transition p14:dur="0"/>
+  <mc:AlternateContent xmlns:mc="http://schemas.openxmlformats.org/markup-compatibility/2006">
+    <mc:Choice xmlns:p14="http://schemas.microsoft.com/office/powerpoint/2010/main" Requires="p14">
+      <p:transition p14:dur="300">
+        <p:fade/>
+      </p:transition>
     </mc:Choice>
-    <mc:Fallback xmlns="">
-      <p:transition/>
+    <mc:Fallback>
+      <p:transition>
+        <p:fade/>
+      </p:transition>
     </mc:Fallback>
   </mc:AlternateContent>
 </p:sld>
@@ -20652,12 +20985,16 @@
   <p:clrMapOvr>
     <a:masterClrMapping/>
   </p:clrMapOvr>
-  <mc:AlternateContent xmlns:mc="http://schemas.openxmlformats.org/markup-compatibility/2006" xmlns:p14="http://schemas.microsoft.com/office/powerpoint/2010/main">
-    <mc:Choice Requires="p14">
-      <p:transition p14:dur="0"/>
+  <mc:AlternateContent xmlns:mc="http://schemas.openxmlformats.org/markup-compatibility/2006">
+    <mc:Choice xmlns:p14="http://schemas.microsoft.com/office/powerpoint/2010/main" Requires="p14">
+      <p:transition p14:dur="300">
+        <p:fade/>
+      </p:transition>
     </mc:Choice>
-    <mc:Fallback xmlns="">
-      <p:transition/>
+    <mc:Fallback>
+      <p:transition>
+        <p:fade/>
+      </p:transition>
     </mc:Fallback>
   </mc:AlternateContent>
 </p:sld>
@@ -20806,12 +21143,16 @@
   <p:clrMapOvr>
     <a:masterClrMapping/>
   </p:clrMapOvr>
-  <mc:AlternateContent xmlns:mc="http://schemas.openxmlformats.org/markup-compatibility/2006" xmlns:p14="http://schemas.microsoft.com/office/powerpoint/2010/main">
-    <mc:Choice Requires="p14">
-      <p:transition p14:dur="0"/>
+  <mc:AlternateContent xmlns:mc="http://schemas.openxmlformats.org/markup-compatibility/2006">
+    <mc:Choice xmlns:p14="http://schemas.microsoft.com/office/powerpoint/2010/main" Requires="p14">
+      <p:transition p14:dur="300">
+        <p:fade/>
+      </p:transition>
     </mc:Choice>
-    <mc:Fallback xmlns="">
-      <p:transition/>
+    <mc:Fallback>
+      <p:transition>
+        <p:fade/>
+      </p:transition>
     </mc:Fallback>
   </mc:AlternateContent>
 </p:sld>
@@ -20936,12 +21277,16 @@
   <p:clrMapOvr>
     <a:masterClrMapping/>
   </p:clrMapOvr>
-  <mc:AlternateContent xmlns:mc="http://schemas.openxmlformats.org/markup-compatibility/2006" xmlns:p14="http://schemas.microsoft.com/office/powerpoint/2010/main">
-    <mc:Choice Requires="p14">
-      <p:transition p14:dur="0"/>
+  <mc:AlternateContent xmlns:mc="http://schemas.openxmlformats.org/markup-compatibility/2006">
+    <mc:Choice xmlns:p14="http://schemas.microsoft.com/office/powerpoint/2010/main" Requires="p14">
+      <p:transition p14:dur="300">
+        <p:fade/>
+      </p:transition>
     </mc:Choice>
-    <mc:Fallback xmlns="">
-      <p:transition/>
+    <mc:Fallback>
+      <p:transition>
+        <p:fade/>
+      </p:transition>
     </mc:Fallback>
   </mc:AlternateContent>
 </p:sld>
@@ -21060,12 +21405,16 @@
   <p:clrMapOvr>
     <a:masterClrMapping/>
   </p:clrMapOvr>
-  <mc:AlternateContent xmlns:mc="http://schemas.openxmlformats.org/markup-compatibility/2006" xmlns:p14="http://schemas.microsoft.com/office/powerpoint/2010/main">
-    <mc:Choice Requires="p14">
-      <p:transition p14:dur="0"/>
+  <mc:AlternateContent xmlns:mc="http://schemas.openxmlformats.org/markup-compatibility/2006">
+    <mc:Choice xmlns:p14="http://schemas.microsoft.com/office/powerpoint/2010/main" Requires="p14">
+      <p:transition p14:dur="300">
+        <p:fade/>
+      </p:transition>
     </mc:Choice>
-    <mc:Fallback xmlns="">
-      <p:transition/>
+    <mc:Fallback>
+      <p:transition>
+        <p:fade/>
+      </p:transition>
     </mc:Fallback>
   </mc:AlternateContent>
 </p:sld>
@@ -21207,12 +21556,16 @@
   <p:clrMapOvr>
     <a:masterClrMapping/>
   </p:clrMapOvr>
-  <mc:AlternateContent xmlns:mc="http://schemas.openxmlformats.org/markup-compatibility/2006" xmlns:p14="http://schemas.microsoft.com/office/powerpoint/2010/main">
-    <mc:Choice Requires="p14">
-      <p:transition p14:dur="0"/>
+  <mc:AlternateContent xmlns:mc="http://schemas.openxmlformats.org/markup-compatibility/2006">
+    <mc:Choice xmlns:p14="http://schemas.microsoft.com/office/powerpoint/2010/main" Requires="p14">
+      <p:transition p14:dur="300">
+        <p:fade/>
+      </p:transition>
     </mc:Choice>
-    <mc:Fallback xmlns="">
-      <p:transition/>
+    <mc:Fallback>
+      <p:transition>
+        <p:fade/>
+      </p:transition>
     </mc:Fallback>
   </mc:AlternateContent>
 </p:sld>
@@ -21323,12 +21676,16 @@
   <p:clrMapOvr>
     <a:masterClrMapping/>
   </p:clrMapOvr>
-  <mc:AlternateContent xmlns:mc="http://schemas.openxmlformats.org/markup-compatibility/2006" xmlns:p14="http://schemas.microsoft.com/office/powerpoint/2010/main">
-    <mc:Choice Requires="p14">
-      <p:transition p14:dur="0"/>
+  <mc:AlternateContent xmlns:mc="http://schemas.openxmlformats.org/markup-compatibility/2006">
+    <mc:Choice xmlns:p14="http://schemas.microsoft.com/office/powerpoint/2010/main" Requires="p14">
+      <p:transition p14:dur="300">
+        <p:fade/>
+      </p:transition>
     </mc:Choice>
-    <mc:Fallback xmlns="">
-      <p:transition/>
+    <mc:Fallback>
+      <p:transition>
+        <p:fade/>
+      </p:transition>
     </mc:Fallback>
   </mc:AlternateContent>
 </p:sld>
@@ -21440,12 +21797,16 @@
   <p:clrMapOvr>
     <a:masterClrMapping/>
   </p:clrMapOvr>
-  <mc:AlternateContent xmlns:mc="http://schemas.openxmlformats.org/markup-compatibility/2006" xmlns:p14="http://schemas.microsoft.com/office/powerpoint/2010/main">
-    <mc:Choice Requires="p14">
-      <p:transition p14:dur="0"/>
+  <mc:AlternateContent xmlns:mc="http://schemas.openxmlformats.org/markup-compatibility/2006">
+    <mc:Choice xmlns:p14="http://schemas.microsoft.com/office/powerpoint/2010/main" Requires="p14">
+      <p:transition p14:dur="300">
+        <p:fade/>
+      </p:transition>
     </mc:Choice>
-    <mc:Fallback xmlns="">
-      <p:transition/>
+    <mc:Fallback>
+      <p:transition>
+        <p:fade/>
+      </p:transition>
     </mc:Fallback>
   </mc:AlternateContent>
 </p:sld>
@@ -21557,12 +21918,16 @@
   <p:clrMapOvr>
     <a:masterClrMapping/>
   </p:clrMapOvr>
-  <mc:AlternateContent xmlns:mc="http://schemas.openxmlformats.org/markup-compatibility/2006" xmlns:p14="http://schemas.microsoft.com/office/powerpoint/2010/main">
-    <mc:Choice Requires="p14">
-      <p:transition p14:dur="0"/>
+  <mc:AlternateContent xmlns:mc="http://schemas.openxmlformats.org/markup-compatibility/2006">
+    <mc:Choice xmlns:p14="http://schemas.microsoft.com/office/powerpoint/2010/main" Requires="p14">
+      <p:transition p14:dur="300">
+        <p:fade/>
+      </p:transition>
     </mc:Choice>
-    <mc:Fallback xmlns="">
-      <p:transition/>
+    <mc:Fallback>
+      <p:transition>
+        <p:fade/>
+      </p:transition>
     </mc:Fallback>
   </mc:AlternateContent>
 </p:sld>
@@ -21674,12 +22039,16 @@
   <p:clrMapOvr>
     <a:masterClrMapping/>
   </p:clrMapOvr>
-  <mc:AlternateContent xmlns:mc="http://schemas.openxmlformats.org/markup-compatibility/2006" xmlns:p14="http://schemas.microsoft.com/office/powerpoint/2010/main">
-    <mc:Choice Requires="p14">
-      <p:transition p14:dur="0"/>
+  <mc:AlternateContent xmlns:mc="http://schemas.openxmlformats.org/markup-compatibility/2006">
+    <mc:Choice xmlns:p14="http://schemas.microsoft.com/office/powerpoint/2010/main" Requires="p14">
+      <p:transition p14:dur="300">
+        <p:fade/>
+      </p:transition>
     </mc:Choice>
-    <mc:Fallback xmlns="">
-      <p:transition/>
+    <mc:Fallback>
+      <p:transition>
+        <p:fade/>
+      </p:transition>
     </mc:Fallback>
   </mc:AlternateContent>
 </p:sld>
@@ -21809,12 +22178,16 @@
   <p:clrMapOvr>
     <a:masterClrMapping/>
   </p:clrMapOvr>
-  <mc:AlternateContent xmlns:mc="http://schemas.openxmlformats.org/markup-compatibility/2006" xmlns:p14="http://schemas.microsoft.com/office/powerpoint/2010/main">
-    <mc:Choice Requires="p14">
-      <p:transition p14:dur="0"/>
+  <mc:AlternateContent xmlns:mc="http://schemas.openxmlformats.org/markup-compatibility/2006">
+    <mc:Choice xmlns:p14="http://schemas.microsoft.com/office/powerpoint/2010/main" Requires="p14">
+      <p:transition p14:dur="300">
+        <p:fade/>
+      </p:transition>
     </mc:Choice>
-    <mc:Fallback xmlns="">
-      <p:transition/>
+    <mc:Fallback>
+      <p:transition>
+        <p:fade/>
+      </p:transition>
     </mc:Fallback>
   </mc:AlternateContent>
 </p:sld>
@@ -21963,12 +22336,16 @@
   <p:clrMapOvr>
     <a:masterClrMapping/>
   </p:clrMapOvr>
-  <mc:AlternateContent xmlns:mc="http://schemas.openxmlformats.org/markup-compatibility/2006" xmlns:p14="http://schemas.microsoft.com/office/powerpoint/2010/main">
-    <mc:Choice Requires="p14">
-      <p:transition p14:dur="0"/>
+  <mc:AlternateContent xmlns:mc="http://schemas.openxmlformats.org/markup-compatibility/2006">
+    <mc:Choice xmlns:p14="http://schemas.microsoft.com/office/powerpoint/2010/main" Requires="p14">
+      <p:transition p14:dur="300">
+        <p:fade/>
+      </p:transition>
     </mc:Choice>
-    <mc:Fallback xmlns="">
-      <p:transition/>
+    <mc:Fallback>
+      <p:transition>
+        <p:fade/>
+      </p:transition>
     </mc:Fallback>
   </mc:AlternateContent>
 </p:sld>
@@ -22093,12 +22470,16 @@
   <p:clrMapOvr>
     <a:masterClrMapping/>
   </p:clrMapOvr>
-  <mc:AlternateContent xmlns:mc="http://schemas.openxmlformats.org/markup-compatibility/2006" xmlns:p14="http://schemas.microsoft.com/office/powerpoint/2010/main">
-    <mc:Choice Requires="p14">
-      <p:transition p14:dur="0"/>
+  <mc:AlternateContent xmlns:mc="http://schemas.openxmlformats.org/markup-compatibility/2006">
+    <mc:Choice xmlns:p14="http://schemas.microsoft.com/office/powerpoint/2010/main" Requires="p14">
+      <p:transition p14:dur="300">
+        <p:fade/>
+      </p:transition>
     </mc:Choice>
-    <mc:Fallback xmlns="">
-      <p:transition/>
+    <mc:Fallback>
+      <p:transition>
+        <p:fade/>
+      </p:transition>
     </mc:Fallback>
   </mc:AlternateContent>
 </p:sld>
@@ -22217,12 +22598,16 @@
   <p:clrMapOvr>
     <a:masterClrMapping/>
   </p:clrMapOvr>
-  <mc:AlternateContent xmlns:mc="http://schemas.openxmlformats.org/markup-compatibility/2006" xmlns:p14="http://schemas.microsoft.com/office/powerpoint/2010/main">
-    <mc:Choice Requires="p14">
-      <p:transition p14:dur="0"/>
+  <mc:AlternateContent xmlns:mc="http://schemas.openxmlformats.org/markup-compatibility/2006">
+    <mc:Choice xmlns:p14="http://schemas.microsoft.com/office/powerpoint/2010/main" Requires="p14">
+      <p:transition p14:dur="300">
+        <p:fade/>
+      </p:transition>
     </mc:Choice>
-    <mc:Fallback xmlns="">
-      <p:transition/>
+    <mc:Fallback>
+      <p:transition>
+        <p:fade/>
+      </p:transition>
     </mc:Fallback>
   </mc:AlternateContent>
 </p:sld>
@@ -22333,12 +22718,16 @@
   <p:clrMapOvr>
     <a:masterClrMapping/>
   </p:clrMapOvr>
-  <mc:AlternateContent xmlns:mc="http://schemas.openxmlformats.org/markup-compatibility/2006" xmlns:p14="http://schemas.microsoft.com/office/powerpoint/2010/main">
-    <mc:Choice Requires="p14">
-      <p:transition p14:dur="0"/>
+  <mc:AlternateContent xmlns:mc="http://schemas.openxmlformats.org/markup-compatibility/2006">
+    <mc:Choice xmlns:p14="http://schemas.microsoft.com/office/powerpoint/2010/main" Requires="p14">
+      <p:transition p14:dur="300">
+        <p:fade/>
+      </p:transition>
     </mc:Choice>
-    <mc:Fallback xmlns="">
-      <p:transition/>
+    <mc:Fallback>
+      <p:transition>
+        <p:fade/>
+      </p:transition>
     </mc:Fallback>
   </mc:AlternateContent>
 </p:sld>
@@ -22450,12 +22839,16 @@
   <p:clrMapOvr>
     <a:masterClrMapping/>
   </p:clrMapOvr>
-  <mc:AlternateContent xmlns:mc="http://schemas.openxmlformats.org/markup-compatibility/2006" xmlns:p14="http://schemas.microsoft.com/office/powerpoint/2010/main">
-    <mc:Choice Requires="p14">
-      <p:transition p14:dur="0"/>
+  <mc:AlternateContent xmlns:mc="http://schemas.openxmlformats.org/markup-compatibility/2006">
+    <mc:Choice xmlns:p14="http://schemas.microsoft.com/office/powerpoint/2010/main" Requires="p14">
+      <p:transition p14:dur="300">
+        <p:fade/>
+      </p:transition>
     </mc:Choice>
-    <mc:Fallback xmlns="">
-      <p:transition/>
+    <mc:Fallback>
+      <p:transition>
+        <p:fade/>
+      </p:transition>
     </mc:Fallback>
   </mc:AlternateContent>
 </p:sld>
@@ -22581,12 +22974,16 @@
   <p:clrMapOvr>
     <a:masterClrMapping/>
   </p:clrMapOvr>
-  <mc:AlternateContent xmlns:mc="http://schemas.openxmlformats.org/markup-compatibility/2006" xmlns:p14="http://schemas.microsoft.com/office/powerpoint/2010/main">
-    <mc:Choice Requires="p14">
-      <p:transition p14:dur="0"/>
+  <mc:AlternateContent xmlns:mc="http://schemas.openxmlformats.org/markup-compatibility/2006">
+    <mc:Choice xmlns:p14="http://schemas.microsoft.com/office/powerpoint/2010/main" Requires="p14">
+      <p:transition p14:dur="300">
+        <p:fade/>
+      </p:transition>
     </mc:Choice>
-    <mc:Fallback xmlns="">
-      <p:transition/>
+    <mc:Fallback>
+      <p:transition>
+        <p:fade/>
+      </p:transition>
     </mc:Fallback>
   </mc:AlternateContent>
 </p:sld>
@@ -22698,12 +23095,16 @@
   <p:clrMapOvr>
     <a:masterClrMapping/>
   </p:clrMapOvr>
-  <mc:AlternateContent xmlns:mc="http://schemas.openxmlformats.org/markup-compatibility/2006" xmlns:p14="http://schemas.microsoft.com/office/powerpoint/2010/main">
-    <mc:Choice Requires="p14">
-      <p:transition p14:dur="0"/>
+  <mc:AlternateContent xmlns:mc="http://schemas.openxmlformats.org/markup-compatibility/2006">
+    <mc:Choice xmlns:p14="http://schemas.microsoft.com/office/powerpoint/2010/main" Requires="p14">
+      <p:transition p14:dur="300">
+        <p:fade/>
+      </p:transition>
     </mc:Choice>
-    <mc:Fallback xmlns="">
-      <p:transition/>
+    <mc:Fallback>
+      <p:transition>
+        <p:fade/>
+      </p:transition>
     </mc:Fallback>
   </mc:AlternateContent>
 </p:sld>
@@ -22815,12 +23216,16 @@
   <p:clrMapOvr>
     <a:masterClrMapping/>
   </p:clrMapOvr>
-  <mc:AlternateContent xmlns:mc="http://schemas.openxmlformats.org/markup-compatibility/2006" xmlns:p14="http://schemas.microsoft.com/office/powerpoint/2010/main">
-    <mc:Choice Requires="p14">
-      <p:transition p14:dur="0"/>
+  <mc:AlternateContent xmlns:mc="http://schemas.openxmlformats.org/markup-compatibility/2006">
+    <mc:Choice xmlns:p14="http://schemas.microsoft.com/office/powerpoint/2010/main" Requires="p14">
+      <p:transition p14:dur="300">
+        <p:fade/>
+      </p:transition>
     </mc:Choice>
-    <mc:Fallback xmlns="">
-      <p:transition/>
+    <mc:Fallback>
+      <p:transition>
+        <p:fade/>
+      </p:transition>
     </mc:Fallback>
   </mc:AlternateContent>
 </p:sld>
@@ -22950,12 +23355,16 @@
   <p:clrMapOvr>
     <a:masterClrMapping/>
   </p:clrMapOvr>
-  <mc:AlternateContent xmlns:mc="http://schemas.openxmlformats.org/markup-compatibility/2006" xmlns:p14="http://schemas.microsoft.com/office/powerpoint/2010/main">
-    <mc:Choice Requires="p14">
-      <p:transition p14:dur="0"/>
+  <mc:AlternateContent xmlns:mc="http://schemas.openxmlformats.org/markup-compatibility/2006">
+    <mc:Choice xmlns:p14="http://schemas.microsoft.com/office/powerpoint/2010/main" Requires="p14">
+      <p:transition p14:dur="300">
+        <p:fade/>
+      </p:transition>
     </mc:Choice>
-    <mc:Fallback xmlns="">
-      <p:transition/>
+    <mc:Fallback>
+      <p:transition>
+        <p:fade/>
+      </p:transition>
     </mc:Fallback>
   </mc:AlternateContent>
 </p:sld>
@@ -23100,12 +23509,16 @@
   <p:clrMapOvr>
     <a:masterClrMapping/>
   </p:clrMapOvr>
-  <mc:AlternateContent xmlns:mc="http://schemas.openxmlformats.org/markup-compatibility/2006" xmlns:p14="http://schemas.microsoft.com/office/powerpoint/2010/main">
-    <mc:Choice Requires="p14">
-      <p:transition p14:dur="0"/>
+  <mc:AlternateContent xmlns:mc="http://schemas.openxmlformats.org/markup-compatibility/2006">
+    <mc:Choice xmlns:p14="http://schemas.microsoft.com/office/powerpoint/2010/main" Requires="p14">
+      <p:transition p14:dur="300">
+        <p:fade/>
+      </p:transition>
     </mc:Choice>
-    <mc:Fallback xmlns="">
-      <p:transition/>
+    <mc:Fallback>
+      <p:transition>
+        <p:fade/>
+      </p:transition>
     </mc:Fallback>
   </mc:AlternateContent>
 </p:sld>
@@ -23238,12 +23651,16 @@
   <p:clrMapOvr>
     <a:masterClrMapping/>
   </p:clrMapOvr>
-  <mc:AlternateContent xmlns:mc="http://schemas.openxmlformats.org/markup-compatibility/2006" xmlns:p14="http://schemas.microsoft.com/office/powerpoint/2010/main">
-    <mc:Choice Requires="p14">
-      <p:transition p14:dur="0"/>
+  <mc:AlternateContent xmlns:mc="http://schemas.openxmlformats.org/markup-compatibility/2006">
+    <mc:Choice xmlns:p14="http://schemas.microsoft.com/office/powerpoint/2010/main" Requires="p14">
+      <p:transition p14:dur="300">
+        <p:fade/>
+      </p:transition>
     </mc:Choice>
-    <mc:Fallback xmlns="">
-      <p:transition/>
+    <mc:Fallback>
+      <p:transition>
+        <p:fade/>
+      </p:transition>
     </mc:Fallback>
   </mc:AlternateContent>
 </p:sld>
@@ -23362,12 +23779,16 @@
   <p:clrMapOvr>
     <a:masterClrMapping/>
   </p:clrMapOvr>
-  <mc:AlternateContent xmlns:mc="http://schemas.openxmlformats.org/markup-compatibility/2006" xmlns:p14="http://schemas.microsoft.com/office/powerpoint/2010/main">
-    <mc:Choice Requires="p14">
-      <p:transition p14:dur="0"/>
+  <mc:AlternateContent xmlns:mc="http://schemas.openxmlformats.org/markup-compatibility/2006">
+    <mc:Choice xmlns:p14="http://schemas.microsoft.com/office/powerpoint/2010/main" Requires="p14">
+      <p:transition p14:dur="300">
+        <p:fade/>
+      </p:transition>
     </mc:Choice>
-    <mc:Fallback xmlns="">
-      <p:transition/>
+    <mc:Fallback>
+      <p:transition>
+        <p:fade/>
+      </p:transition>
     </mc:Fallback>
   </mc:AlternateContent>
 </p:sld>
@@ -23478,12 +23899,16 @@
   <p:clrMapOvr>
     <a:masterClrMapping/>
   </p:clrMapOvr>
-  <mc:AlternateContent xmlns:mc="http://schemas.openxmlformats.org/markup-compatibility/2006" xmlns:p14="http://schemas.microsoft.com/office/powerpoint/2010/main">
-    <mc:Choice Requires="p14">
-      <p:transition p14:dur="0"/>
+  <mc:AlternateContent xmlns:mc="http://schemas.openxmlformats.org/markup-compatibility/2006">
+    <mc:Choice xmlns:p14="http://schemas.microsoft.com/office/powerpoint/2010/main" Requires="p14">
+      <p:transition p14:dur="300">
+        <p:fade/>
+      </p:transition>
     </mc:Choice>
-    <mc:Fallback xmlns="">
-      <p:transition/>
+    <mc:Fallback>
+      <p:transition>
+        <p:fade/>
+      </p:transition>
     </mc:Fallback>
   </mc:AlternateContent>
 </p:sld>
@@ -23595,12 +24020,16 @@
   <p:clrMapOvr>
     <a:masterClrMapping/>
   </p:clrMapOvr>
-  <mc:AlternateContent xmlns:mc="http://schemas.openxmlformats.org/markup-compatibility/2006" xmlns:p14="http://schemas.microsoft.com/office/powerpoint/2010/main">
-    <mc:Choice Requires="p14">
-      <p:transition p14:dur="0"/>
+  <mc:AlternateContent xmlns:mc="http://schemas.openxmlformats.org/markup-compatibility/2006">
+    <mc:Choice xmlns:p14="http://schemas.microsoft.com/office/powerpoint/2010/main" Requires="p14">
+      <p:transition p14:dur="300">
+        <p:fade/>
+      </p:transition>
     </mc:Choice>
-    <mc:Fallback xmlns="">
-      <p:transition/>
+    <mc:Fallback>
+      <p:transition>
+        <p:fade/>
+      </p:transition>
     </mc:Fallback>
   </mc:AlternateContent>
 </p:sld>
@@ -23712,12 +24141,16 @@
   <p:clrMapOvr>
     <a:masterClrMapping/>
   </p:clrMapOvr>
-  <mc:AlternateContent xmlns:mc="http://schemas.openxmlformats.org/markup-compatibility/2006" xmlns:p14="http://schemas.microsoft.com/office/powerpoint/2010/main">
-    <mc:Choice Requires="p14">
-      <p:transition p14:dur="0"/>
+  <mc:AlternateContent xmlns:mc="http://schemas.openxmlformats.org/markup-compatibility/2006">
+    <mc:Choice xmlns:p14="http://schemas.microsoft.com/office/powerpoint/2010/main" Requires="p14">
+      <p:transition p14:dur="300">
+        <p:fade/>
+      </p:transition>
     </mc:Choice>
-    <mc:Fallback xmlns="">
-      <p:transition/>
+    <mc:Fallback>
+      <p:transition>
+        <p:fade/>
+      </p:transition>
     </mc:Fallback>
   </mc:AlternateContent>
 </p:sld>
@@ -23829,12 +24262,16 @@
   <p:clrMapOvr>
     <a:masterClrMapping/>
   </p:clrMapOvr>
-  <mc:AlternateContent xmlns:mc="http://schemas.openxmlformats.org/markup-compatibility/2006" xmlns:p14="http://schemas.microsoft.com/office/powerpoint/2010/main">
-    <mc:Choice Requires="p14">
-      <p:transition p14:dur="0"/>
+  <mc:AlternateContent xmlns:mc="http://schemas.openxmlformats.org/markup-compatibility/2006">
+    <mc:Choice xmlns:p14="http://schemas.microsoft.com/office/powerpoint/2010/main" Requires="p14">
+      <p:transition p14:dur="300">
+        <p:fade/>
+      </p:transition>
     </mc:Choice>
-    <mc:Fallback xmlns="">
-      <p:transition/>
+    <mc:Fallback>
+      <p:transition>
+        <p:fade/>
+      </p:transition>
     </mc:Fallback>
   </mc:AlternateContent>
 </p:sld>
@@ -23946,12 +24383,16 @@
   <p:clrMapOvr>
     <a:masterClrMapping/>
   </p:clrMapOvr>
-  <mc:AlternateContent xmlns:mc="http://schemas.openxmlformats.org/markup-compatibility/2006" xmlns:p14="http://schemas.microsoft.com/office/powerpoint/2010/main">
-    <mc:Choice Requires="p14">
-      <p:transition p14:dur="0"/>
+  <mc:AlternateContent xmlns:mc="http://schemas.openxmlformats.org/markup-compatibility/2006">
+    <mc:Choice xmlns:p14="http://schemas.microsoft.com/office/powerpoint/2010/main" Requires="p14">
+      <p:transition p14:dur="300">
+        <p:fade/>
+      </p:transition>
     </mc:Choice>
-    <mc:Fallback xmlns="">
-      <p:transition/>
+    <mc:Fallback>
+      <p:transition>
+        <p:fade/>
+      </p:transition>
     </mc:Fallback>
   </mc:AlternateContent>
 </p:sld>
@@ -24081,12 +24522,16 @@
   <p:clrMapOvr>
     <a:masterClrMapping/>
   </p:clrMapOvr>
-  <mc:AlternateContent xmlns:mc="http://schemas.openxmlformats.org/markup-compatibility/2006" xmlns:p14="http://schemas.microsoft.com/office/powerpoint/2010/main">
-    <mc:Choice Requires="p14">
-      <p:transition p14:dur="0"/>
+  <mc:AlternateContent xmlns:mc="http://schemas.openxmlformats.org/markup-compatibility/2006">
+    <mc:Choice xmlns:p14="http://schemas.microsoft.com/office/powerpoint/2010/main" Requires="p14">
+      <p:transition p14:dur="300">
+        <p:fade/>
+      </p:transition>
     </mc:Choice>
-    <mc:Fallback xmlns="">
-      <p:transition/>
+    <mc:Fallback>
+      <p:transition>
+        <p:fade/>
+      </p:transition>
     </mc:Fallback>
   </mc:AlternateContent>
 </p:sld>
@@ -24235,12 +24680,16 @@
   <p:clrMapOvr>
     <a:masterClrMapping/>
   </p:clrMapOvr>
-  <mc:AlternateContent xmlns:mc="http://schemas.openxmlformats.org/markup-compatibility/2006" xmlns:p14="http://schemas.microsoft.com/office/powerpoint/2010/main">
-    <mc:Choice Requires="p14">
-      <p:transition p14:dur="0"/>
+  <mc:AlternateContent xmlns:mc="http://schemas.openxmlformats.org/markup-compatibility/2006">
+    <mc:Choice xmlns:p14="http://schemas.microsoft.com/office/powerpoint/2010/main" Requires="p14">
+      <p:transition p14:dur="300">
+        <p:fade/>
+      </p:transition>
     </mc:Choice>
-    <mc:Fallback xmlns="">
-      <p:transition/>
+    <mc:Fallback>
+      <p:transition>
+        <p:fade/>
+      </p:transition>
     </mc:Fallback>
   </mc:AlternateContent>
 </p:sld>
@@ -24373,12 +24822,16 @@
   <p:clrMapOvr>
     <a:masterClrMapping/>
   </p:clrMapOvr>
-  <mc:AlternateContent xmlns:mc="http://schemas.openxmlformats.org/markup-compatibility/2006" xmlns:p14="http://schemas.microsoft.com/office/powerpoint/2010/main">
-    <mc:Choice Requires="p14">
-      <p:transition p14:dur="0"/>
+  <mc:AlternateContent xmlns:mc="http://schemas.openxmlformats.org/markup-compatibility/2006">
+    <mc:Choice xmlns:p14="http://schemas.microsoft.com/office/powerpoint/2010/main" Requires="p14">
+      <p:transition p14:dur="300">
+        <p:fade/>
+      </p:transition>
     </mc:Choice>
-    <mc:Fallback xmlns="">
-      <p:transition/>
+    <mc:Fallback>
+      <p:transition>
+        <p:fade/>
+      </p:transition>
     </mc:Fallback>
   </mc:AlternateContent>
 </p:sld>
@@ -24497,12 +24950,16 @@
   <p:clrMapOvr>
     <a:masterClrMapping/>
   </p:clrMapOvr>
-  <mc:AlternateContent xmlns:mc="http://schemas.openxmlformats.org/markup-compatibility/2006" xmlns:p14="http://schemas.microsoft.com/office/powerpoint/2010/main">
-    <mc:Choice Requires="p14">
-      <p:transition p14:dur="0"/>
+  <mc:AlternateContent xmlns:mc="http://schemas.openxmlformats.org/markup-compatibility/2006">
+    <mc:Choice xmlns:p14="http://schemas.microsoft.com/office/powerpoint/2010/main" Requires="p14">
+      <p:transition p14:dur="300">
+        <p:fade/>
+      </p:transition>
     </mc:Choice>
-    <mc:Fallback xmlns="">
-      <p:transition/>
+    <mc:Fallback>
+      <p:transition>
+        <p:fade/>
+      </p:transition>
     </mc:Fallback>
   </mc:AlternateContent>
 </p:sld>
@@ -24613,12 +25070,16 @@
   <p:clrMapOvr>
     <a:masterClrMapping/>
   </p:clrMapOvr>
-  <mc:AlternateContent xmlns:mc="http://schemas.openxmlformats.org/markup-compatibility/2006" xmlns:p14="http://schemas.microsoft.com/office/powerpoint/2010/main">
-    <mc:Choice Requires="p14">
-      <p:transition p14:dur="0"/>
+  <mc:AlternateContent xmlns:mc="http://schemas.openxmlformats.org/markup-compatibility/2006">
+    <mc:Choice xmlns:p14="http://schemas.microsoft.com/office/powerpoint/2010/main" Requires="p14">
+      <p:transition p14:dur="300">
+        <p:fade/>
+      </p:transition>
     </mc:Choice>
-    <mc:Fallback xmlns="">
-      <p:transition/>
+    <mc:Fallback>
+      <p:transition>
+        <p:fade/>
+      </p:transition>
     </mc:Fallback>
   </mc:AlternateContent>
 </p:sld>
@@ -24730,12 +25191,16 @@
   <p:clrMapOvr>
     <a:masterClrMapping/>
   </p:clrMapOvr>
-  <mc:AlternateContent xmlns:mc="http://schemas.openxmlformats.org/markup-compatibility/2006" xmlns:p14="http://schemas.microsoft.com/office/powerpoint/2010/main">
-    <mc:Choice Requires="p14">
-      <p:transition p14:dur="0"/>
+  <mc:AlternateContent xmlns:mc="http://schemas.openxmlformats.org/markup-compatibility/2006">
+    <mc:Choice xmlns:p14="http://schemas.microsoft.com/office/powerpoint/2010/main" Requires="p14">
+      <p:transition p14:dur="300">
+        <p:fade/>
+      </p:transition>
     </mc:Choice>
-    <mc:Fallback xmlns="">
-      <p:transition/>
+    <mc:Fallback>
+      <p:transition>
+        <p:fade/>
+      </p:transition>
     </mc:Fallback>
   </mc:AlternateContent>
 </p:sld>
@@ -24847,12 +25312,16 @@
   <p:clrMapOvr>
     <a:masterClrMapping/>
   </p:clrMapOvr>
-  <mc:AlternateContent xmlns:mc="http://schemas.openxmlformats.org/markup-compatibility/2006" xmlns:p14="http://schemas.microsoft.com/office/powerpoint/2010/main">
-    <mc:Choice Requires="p14">
-      <p:transition p14:dur="0"/>
+  <mc:AlternateContent xmlns:mc="http://schemas.openxmlformats.org/markup-compatibility/2006">
+    <mc:Choice xmlns:p14="http://schemas.microsoft.com/office/powerpoint/2010/main" Requires="p14">
+      <p:transition p14:dur="300">
+        <p:fade/>
+      </p:transition>
     </mc:Choice>
-    <mc:Fallback xmlns="">
-      <p:transition/>
+    <mc:Fallback>
+      <p:transition>
+        <p:fade/>
+      </p:transition>
     </mc:Fallback>
   </mc:AlternateContent>
 </p:sld>
@@ -24964,12 +25433,16 @@
   <p:clrMapOvr>
     <a:masterClrMapping/>
   </p:clrMapOvr>
-  <mc:AlternateContent xmlns:mc="http://schemas.openxmlformats.org/markup-compatibility/2006" xmlns:p14="http://schemas.microsoft.com/office/powerpoint/2010/main">
-    <mc:Choice Requires="p14">
-      <p:transition p14:dur="0"/>
+  <mc:AlternateContent xmlns:mc="http://schemas.openxmlformats.org/markup-compatibility/2006">
+    <mc:Choice xmlns:p14="http://schemas.microsoft.com/office/powerpoint/2010/main" Requires="p14">
+      <p:transition p14:dur="300">
+        <p:fade/>
+      </p:transition>
     </mc:Choice>
-    <mc:Fallback xmlns="">
-      <p:transition/>
+    <mc:Fallback>
+      <p:transition>
+        <p:fade/>
+      </p:transition>
     </mc:Fallback>
   </mc:AlternateContent>
 </p:sld>
@@ -25099,12 +25572,16 @@
   <p:clrMapOvr>
     <a:masterClrMapping/>
   </p:clrMapOvr>
-  <mc:AlternateContent xmlns:mc="http://schemas.openxmlformats.org/markup-compatibility/2006" xmlns:p14="http://schemas.microsoft.com/office/powerpoint/2010/main">
-    <mc:Choice Requires="p14">
-      <p:transition p14:dur="0"/>
+  <mc:AlternateContent xmlns:mc="http://schemas.openxmlformats.org/markup-compatibility/2006">
+    <mc:Choice xmlns:p14="http://schemas.microsoft.com/office/powerpoint/2010/main" Requires="p14">
+      <p:transition p14:dur="300">
+        <p:fade/>
+      </p:transition>
     </mc:Choice>
-    <mc:Fallback xmlns="">
-      <p:transition/>
+    <mc:Fallback>
+      <p:transition>
+        <p:fade/>
+      </p:transition>
     </mc:Fallback>
   </mc:AlternateContent>
 </p:sld>
@@ -25241,12 +25718,16 @@
   <p:clrMapOvr>
     <a:masterClrMapping/>
   </p:clrMapOvr>
-  <mc:AlternateContent xmlns:mc="http://schemas.openxmlformats.org/markup-compatibility/2006" xmlns:p14="http://schemas.microsoft.com/office/powerpoint/2010/main">
-    <mc:Choice Requires="p14">
-      <p:transition p14:dur="0"/>
+  <mc:AlternateContent xmlns:mc="http://schemas.openxmlformats.org/markup-compatibility/2006">
+    <mc:Choice xmlns:p14="http://schemas.microsoft.com/office/powerpoint/2010/main" Requires="p14">
+      <p:transition p14:dur="300">
+        <p:fade/>
+      </p:transition>
     </mc:Choice>
-    <mc:Fallback xmlns="">
-      <p:transition/>
+    <mc:Fallback>
+      <p:transition>
+        <p:fade/>
+      </p:transition>
     </mc:Fallback>
   </mc:AlternateContent>
 </p:sld>
